--- a/auca/sem-1/intro-to-computer/presentation/Presentation1.pptx
+++ b/auca/sem-1/intro-to-computer/presentation/Presentation1.pptx
@@ -119,6 +119,12 @@
 </p:presentation>
 </file>
 
+<file path=ppt/commentAuthors.xml><?xml version="1.0" encoding="utf-8"?>
+<p:cmAuthorLst xmlns:a="http://schemas.openxmlformats.org/drawingml/2006/main" xmlns:r="http://schemas.openxmlformats.org/officeDocument/2006/relationships" xmlns:p="http://schemas.openxmlformats.org/presentationml/2006/main">
+  <p:cmAuthor id="1" name="jmutangana" initials="j" lastIdx="1" clrIdx="0"/>
+</p:cmAuthorLst>
+</file>
+
 <file path=ppt/charts/chart1.xml><?xml version="1.0" encoding="utf-8"?>
 <c:chartSpace xmlns:c="http://schemas.openxmlformats.org/drawingml/2006/chart" xmlns:a="http://schemas.openxmlformats.org/drawingml/2006/main" xmlns:r="http://schemas.openxmlformats.org/officeDocument/2006/relationships">
   <c:date1904 val="0"/>
@@ -162,7 +168,17 @@
     </c:title>
     <c:autoTitleDeleted val="0"/>
     <c:plotArea>
-      <c:layout/>
+      <c:layout>
+        <c:manualLayout>
+          <c:layoutTarget val="inner"/>
+          <c:xMode val="edge"/>
+          <c:yMode val="edge"/>
+          <c:x val="0.0132850241545894"/>
+          <c:y val="0.00437796374356577"/>
+          <c:w val="0.973429951690821"/>
+          <c:h val="0.935556373694712"/>
+        </c:manualLayout>
+      </c:layout>
       <c:barChart>
         <c:barDir val="col"/>
         <c:grouping val="clustered"/>
@@ -182,11 +198,17 @@
             </c:strRef>
           </c:tx>
           <c:spPr>
-            <a:solidFill>
-              <a:schemeClr val="accent1">
-                <a:alpha val="85000"/>
-              </a:schemeClr>
-            </a:solidFill>
+            <a:gradFill>
+              <a:gsLst>
+                <a:gs pos="0">
+                  <a:srgbClr val="012D86"/>
+                </a:gs>
+                <a:gs pos="100000">
+                  <a:srgbClr val="0E2557"/>
+                </a:gs>
+              </a:gsLst>
+              <a:path path="circle"/>
+            </a:gradFill>
             <a:ln w="9525" cap="flat" cmpd="sng" algn="ctr">
               <a:solidFill>
                 <a:schemeClr val="lt1">
@@ -307,11 +329,17 @@
             </c:strRef>
           </c:tx>
           <c:spPr>
-            <a:solidFill>
-              <a:schemeClr val="accent2">
-                <a:alpha val="85000"/>
-              </a:schemeClr>
-            </a:solidFill>
+            <a:gradFill>
+              <a:gsLst>
+                <a:gs pos="0">
+                  <a:srgbClr val="007BD3"/>
+                </a:gs>
+                <a:gs pos="100000">
+                  <a:srgbClr val="034373"/>
+                </a:gs>
+              </a:gsLst>
+              <a:path path="circle"/>
+            </a:gradFill>
             <a:ln w="9525" cap="flat" cmpd="sng" algn="ctr">
               <a:solidFill>
                 <a:schemeClr val="lt1">
@@ -432,11 +460,17 @@
             </c:strRef>
           </c:tx>
           <c:spPr>
-            <a:solidFill>
-              <a:schemeClr val="accent3">
-                <a:alpha val="85000"/>
-              </a:schemeClr>
-            </a:solidFill>
+            <a:gradFill>
+              <a:gsLst>
+                <a:gs pos="0">
+                  <a:srgbClr val="14CD68"/>
+                </a:gs>
+                <a:gs pos="100000">
+                  <a:srgbClr val="035C7D"/>
+                </a:gs>
+              </a:gsLst>
+              <a:path path="circle"/>
+            </a:gradFill>
             <a:ln w="9525" cap="flat" cmpd="sng" algn="ctr">
               <a:solidFill>
                 <a:schemeClr val="lt1">
@@ -608,32 +642,6 @@
         </c:scaling>
         <c:delete val="1"/>
         <c:axPos val="l"/>
-        <c:majorGridlines>
-          <c:spPr>
-            <a:ln w="9525" cap="flat" cmpd="sng" algn="ctr">
-              <a:gradFill>
-                <a:gsLst>
-                  <a:gs pos="100000">
-                    <a:schemeClr val="dk1">
-                      <a:lumMod val="95000"/>
-                      <a:lumOff val="5000"/>
-                      <a:alpha val="42000"/>
-                    </a:schemeClr>
-                  </a:gs>
-                  <a:gs pos="0">
-                    <a:schemeClr val="lt1">
-                      <a:lumMod val="75000"/>
-                      <a:alpha val="36000"/>
-                    </a:schemeClr>
-                  </a:gs>
-                </a:gsLst>
-                <a:lin ang="5400000" scaled="0"/>
-              </a:gradFill>
-              <a:round/>
-            </a:ln>
-            <a:effectLst/>
-          </c:spPr>
-        </c:majorGridlines>
         <c:numFmt formatCode="General" sourceLinked="1"/>
         <c:majorTickMark val="none"/>
         <c:minorTickMark val="none"/>
@@ -659,7 +667,25 @@
         <c:crossBetween val="between"/>
       </c:valAx>
       <c:spPr>
-        <a:noFill/>
+        <a:gradFill>
+          <a:gsLst>
+            <a:gs pos="50000">
+              <a:srgbClr val="78AC42">
+                <a:alpha val="100000"/>
+              </a:srgbClr>
+            </a:gs>
+            <a:gs pos="0">
+              <a:srgbClr val="9EE256"/>
+            </a:gs>
+            <a:gs pos="100000">
+              <a:srgbClr val="52762D"/>
+            </a:gs>
+          </a:gsLst>
+          <a:path path="shape">
+            <a:fillToRect l="50000" t="50000" r="50000" b="50000"/>
+          </a:path>
+          <a:tileRect/>
+        </a:gradFill>
         <a:ln>
           <a:noFill/>
         </a:ln>
@@ -764,10 +790,10 @@
     <a:gradFill flip="none" rotWithShape="1">
       <a:gsLst>
         <a:gs pos="0">
-          <a:srgbClr val="7B32B2"/>
+          <a:srgbClr val="9EE256"/>
         </a:gs>
         <a:gs pos="100000">
-          <a:srgbClr val="401A5D"/>
+          <a:srgbClr val="52762D"/>
         </a:gs>
       </a:gsLst>
       <a:path path="circle"/>
@@ -2361,18 +2387,18 @@
             </a:spcAft>
           </a:pPr>
           <a:r>
-            <a:rPr lang="en-US"/>
+            <a:rPr lang="en-US" b="1"/>
             <a:t>Create</a:t>
           </a:r>
           <a:r>
-            <a:rPr lang="en-US"/>
+            <a:rPr lang="en-US" b="1"/>
             <a:t/>
           </a:r>
-          <a:endParaRPr lang="en-US"/>
+          <a:endParaRPr lang="en-US" b="1"/>
         </a:p>
       </dgm:t>
     </dgm:pt>
-    <dgm:pt modelId="{B76F6F1F-7313-47A5-BC2E-994D915C21FA}" cxnId="{4F4E013A-EB79-4BE0-B308-644D6AE074A7}" type="parTrans">
+    <dgm:pt modelId="{B76F6F1F-7313-47A5-BC2E-994D915C21FA}" cxnId="{3B534411-F266-41B3-A3C1-4F8551442B7F}" type="parTrans">
       <dgm:prSet/>
       <dgm:spPr/>
       <dgm:t>
@@ -2382,7 +2408,7 @@
         </a:p>
       </dgm:t>
     </dgm:pt>
-    <dgm:pt modelId="{485E5104-1EB8-413E-A70E-ADACDF839B14}" cxnId="{4F4E013A-EB79-4BE0-B308-644D6AE074A7}" type="sibTrans">
+    <dgm:pt modelId="{485E5104-1EB8-413E-A70E-ADACDF839B14}" cxnId="{3B534411-F266-41B3-A3C1-4F8551442B7F}" type="sibTrans">
       <dgm:prSet/>
       <dgm:spPr/>
       <dgm:t>
@@ -2410,18 +2436,18 @@
             </a:spcAft>
           </a:pPr>
           <a:r>
-            <a:rPr lang="en-US"/>
+            <a:rPr lang="en-US" b="1"/>
             <a:t>STORE</a:t>
           </a:r>
           <a:r>
-            <a:rPr lang="en-US"/>
+            <a:rPr lang="en-US" b="1"/>
             <a:t/>
           </a:r>
-          <a:endParaRPr lang="en-US"/>
+          <a:endParaRPr lang="en-US" b="1"/>
         </a:p>
       </dgm:t>
     </dgm:pt>
-    <dgm:pt modelId="{815BEECE-237C-451B-AD1A-99AD91077DC5}" cxnId="{1E81CE2C-241B-410B-9933-46853986D855}" type="parTrans">
+    <dgm:pt modelId="{815BEECE-237C-451B-AD1A-99AD91077DC5}" cxnId="{EC7B7BE8-82B4-4911-9141-BD1A53A378F7}" type="parTrans">
       <dgm:prSet/>
       <dgm:spPr/>
       <dgm:t>
@@ -2431,7 +2457,7 @@
         </a:p>
       </dgm:t>
     </dgm:pt>
-    <dgm:pt modelId="{440047A4-99C5-4142-9A9A-791B1494D18D}" cxnId="{1E81CE2C-241B-410B-9933-46853986D855}" type="sibTrans">
+    <dgm:pt modelId="{440047A4-99C5-4142-9A9A-791B1494D18D}" cxnId="{EC7B7BE8-82B4-4911-9141-BD1A53A378F7}" type="sibTrans">
       <dgm:prSet/>
       <dgm:spPr/>
       <dgm:t>
@@ -2459,18 +2485,18 @@
             </a:spcAft>
           </a:pPr>
           <a:r>
-            <a:rPr lang="en-US"/>
+            <a:rPr lang="en-US" b="1"/>
             <a:t>USE</a:t>
           </a:r>
           <a:r>
-            <a:rPr lang="en-US"/>
+            <a:rPr lang="en-US" b="1"/>
             <a:t/>
           </a:r>
-          <a:endParaRPr lang="en-US"/>
+          <a:endParaRPr lang="en-US" b="1"/>
         </a:p>
       </dgm:t>
     </dgm:pt>
-    <dgm:pt modelId="{0A3DB1B2-EEAB-46E8-83B7-3C75439F76AD}" cxnId="{DBB74CFE-ED5E-4B0B-889B-1CA28199E99D}" type="parTrans">
+    <dgm:pt modelId="{0A3DB1B2-EEAB-46E8-83B7-3C75439F76AD}" cxnId="{C2D14770-C373-462D-BCF9-C6CF5B1EAB72}" type="parTrans">
       <dgm:prSet/>
       <dgm:spPr/>
       <dgm:t>
@@ -2480,7 +2506,7 @@
         </a:p>
       </dgm:t>
     </dgm:pt>
-    <dgm:pt modelId="{1D27C24F-A927-4600-8878-8630ECEBD341}" cxnId="{DBB74CFE-ED5E-4B0B-889B-1CA28199E99D}" type="sibTrans">
+    <dgm:pt modelId="{1D27C24F-A927-4600-8878-8630ECEBD341}" cxnId="{C2D14770-C373-462D-BCF9-C6CF5B1EAB72}" type="sibTrans">
       <dgm:prSet/>
       <dgm:spPr/>
       <dgm:t>
@@ -2508,18 +2534,18 @@
             </a:spcAft>
           </a:pPr>
           <a:r>
-            <a:rPr lang="en-US"/>
+            <a:rPr lang="en-US" b="1"/>
             <a:t>SHARE</a:t>
           </a:r>
           <a:r>
-            <a:rPr lang="en-US"/>
+            <a:rPr lang="en-US" b="1"/>
             <a:t/>
           </a:r>
-          <a:endParaRPr lang="en-US"/>
+          <a:endParaRPr lang="en-US" b="1"/>
         </a:p>
       </dgm:t>
     </dgm:pt>
-    <dgm:pt modelId="{0E0CE0D5-07C4-4901-B365-8211F8750388}" cxnId="{D9E95464-9D0E-47A2-B2CF-216572A134F1}" type="parTrans">
+    <dgm:pt modelId="{0E0CE0D5-07C4-4901-B365-8211F8750388}" cxnId="{F9F75891-E85C-401E-A1C4-DA9A037A5657}" type="parTrans">
       <dgm:prSet/>
       <dgm:spPr/>
       <dgm:t>
@@ -2529,7 +2555,7 @@
         </a:p>
       </dgm:t>
     </dgm:pt>
-    <dgm:pt modelId="{ABEF5CDB-B202-47B1-8976-6563592DD193}" cxnId="{D9E95464-9D0E-47A2-B2CF-216572A134F1}" type="sibTrans">
+    <dgm:pt modelId="{ABEF5CDB-B202-47B1-8976-6563592DD193}" cxnId="{F9F75891-E85C-401E-A1C4-DA9A037A5657}" type="sibTrans">
       <dgm:prSet/>
       <dgm:spPr/>
       <dgm:t>
@@ -2557,18 +2583,18 @@
             </a:spcAft>
           </a:pPr>
           <a:r>
-            <a:rPr lang="en-US"/>
+            <a:rPr lang="en-US" b="1"/>
             <a:t>ARCHIVE</a:t>
           </a:r>
           <a:r>
-            <a:rPr lang="en-US"/>
+            <a:rPr lang="en-US" b="1"/>
             <a:t/>
           </a:r>
-          <a:endParaRPr lang="en-US"/>
+          <a:endParaRPr lang="en-US" b="1"/>
         </a:p>
       </dgm:t>
     </dgm:pt>
-    <dgm:pt modelId="{D69A4B64-ECF7-44B7-B11F-30D5FBCABAD0}" cxnId="{05B5301F-AFC6-45E3-8B2B-E1903007BADC}" type="parTrans">
+    <dgm:pt modelId="{D69A4B64-ECF7-44B7-B11F-30D5FBCABAD0}" cxnId="{862B197C-D569-496C-A167-A7C4DE9A88F9}" type="parTrans">
       <dgm:prSet/>
       <dgm:spPr/>
       <dgm:t>
@@ -2578,7 +2604,7 @@
         </a:p>
       </dgm:t>
     </dgm:pt>
-    <dgm:pt modelId="{C62D58A2-E7B0-4326-BAF0-CD60EBC9C61D}" cxnId="{05B5301F-AFC6-45E3-8B2B-E1903007BADC}" type="sibTrans">
+    <dgm:pt modelId="{C62D58A2-E7B0-4326-BAF0-CD60EBC9C61D}" cxnId="{862B197C-D569-496C-A167-A7C4DE9A88F9}" type="sibTrans">
       <dgm:prSet/>
       <dgm:spPr/>
       <dgm:t>
@@ -2587,6 +2613,43 @@
           <a:endParaRPr lang="en-US"/>
         </a:p>
       </dgm:t>
+    </dgm:pt>
+    <dgm:pt modelId="{3088591D-01D8-49F6-8867-6C4A0EFBDAE4}">
+      <dgm:prSet phldr="0" custT="0"/>
+      <dgm:spPr/>
+      <dgm:t>
+        <a:bodyPr vert="horz" wrap="square"/>
+        <a:p>
+          <a:pPr>
+            <a:lnSpc>
+              <a:spcPct val="100000"/>
+            </a:lnSpc>
+            <a:spcBef>
+              <a:spcPct val="0"/>
+            </a:spcBef>
+            <a:spcAft>
+              <a:spcPct val="35000"/>
+            </a:spcAft>
+          </a:pPr>
+          <a:r>
+            <a:rPr lang="en-US" b="1"/>
+            <a:t>DESTORY</a:t>
+          </a:r>
+          <a:r>
+            <a:rPr lang="en-US" b="1"/>
+            <a:t/>
+          </a:r>
+          <a:endParaRPr lang="en-US" b="1"/>
+        </a:p>
+      </dgm:t>
+    </dgm:pt>
+    <dgm:pt modelId="{7C298D0A-C951-4F5C-A197-5E169FA987DC}" cxnId="{073A16A3-778C-4247-B7A4-5510C80E5904}" type="parTrans">
+      <dgm:prSet/>
+      <dgm:spPr/>
+    </dgm:pt>
+    <dgm:pt modelId="{030109B3-F048-44C3-983B-14135FBEF5EA}" cxnId="{073A16A3-778C-4247-B7A4-5510C80E5904}" type="sibTrans">
+      <dgm:prSet/>
+      <dgm:spPr/>
     </dgm:pt>
     <dgm:pt modelId="{A15C1A26-8DF5-40E1-BCEB-A9F490C30D57}" type="pres">
       <dgm:prSet presAssocID="{00F747F6-A844-4E8F-A0A0-423B86FE2B27}" presName="cycle" presStyleCnt="0">
@@ -2598,7 +2661,7 @@
       <dgm:spPr/>
     </dgm:pt>
     <dgm:pt modelId="{9027A074-C2B4-4B5C-8A24-9F326C135F2C}" type="pres">
-      <dgm:prSet presAssocID="{BE1D93E0-1064-4E35-84F1-274817A8FA14}" presName="node" presStyleLbl="node1" presStyleIdx="0" presStyleCnt="5">
+      <dgm:prSet presAssocID="{BE1D93E0-1064-4E35-84F1-274817A8FA14}" presName="node" presStyleLbl="node1" presStyleIdx="0" presStyleCnt="6">
         <dgm:presLayoutVars>
           <dgm:bulletEnabled val="1"/>
         </dgm:presLayoutVars>
@@ -2606,7 +2669,7 @@
       <dgm:spPr/>
     </dgm:pt>
     <dgm:pt modelId="{D428F19C-A8D3-4893-AD7E-2BA65F02F820}" type="pres">
-      <dgm:prSet presAssocID="{485E5104-1EB8-413E-A70E-ADACDF839B14}" presName="sibTrans" presStyleLbl="sibTrans2D1" presStyleIdx="0" presStyleCnt="5"/>
+      <dgm:prSet presAssocID="{485E5104-1EB8-413E-A70E-ADACDF839B14}" presName="sibTrans" presStyleLbl="sibTrans2D1" presStyleIdx="0" presStyleCnt="6"/>
       <dgm:spPr/>
     </dgm:pt>
     <dgm:pt modelId="{A9F3C989-90B4-4758-9A33-E49FCD0C7D74}" type="pres">
@@ -2614,7 +2677,7 @@
       <dgm:spPr/>
     </dgm:pt>
     <dgm:pt modelId="{ADA7BD43-8261-45C1-B84A-0D52FA1E4AE7}" type="pres">
-      <dgm:prSet presAssocID="{C850D67D-D455-40F2-BF40-958244ECBECF}" presName="node" presStyleLbl="node1" presStyleIdx="1" presStyleCnt="5">
+      <dgm:prSet presAssocID="{C850D67D-D455-40F2-BF40-958244ECBECF}" presName="node" presStyleLbl="node1" presStyleIdx="1" presStyleCnt="6">
         <dgm:presLayoutVars>
           <dgm:bulletEnabled val="1"/>
         </dgm:presLayoutVars>
@@ -2622,7 +2685,7 @@
       <dgm:spPr/>
     </dgm:pt>
     <dgm:pt modelId="{56F040CF-6F47-4847-8647-F5FDBC9F146A}" type="pres">
-      <dgm:prSet presAssocID="{440047A4-99C5-4142-9A9A-791B1494D18D}" presName="sibTrans" presStyleLbl="sibTrans2D1" presStyleIdx="1" presStyleCnt="5"/>
+      <dgm:prSet presAssocID="{440047A4-99C5-4142-9A9A-791B1494D18D}" presName="sibTrans" presStyleLbl="sibTrans2D1" presStyleIdx="1" presStyleCnt="6"/>
       <dgm:spPr/>
     </dgm:pt>
     <dgm:pt modelId="{625DDE57-EEE3-4179-988C-D68B639218F6}" type="pres">
@@ -2630,7 +2693,7 @@
       <dgm:spPr/>
     </dgm:pt>
     <dgm:pt modelId="{4DEB6BE5-009F-44B4-83FA-1FE41DB12AD9}" type="pres">
-      <dgm:prSet presAssocID="{B8C84936-1FF8-491C-957F-E93A0D56BE72}" presName="node" presStyleLbl="node1" presStyleIdx="2" presStyleCnt="5">
+      <dgm:prSet presAssocID="{B8C84936-1FF8-491C-957F-E93A0D56BE72}" presName="node" presStyleLbl="node1" presStyleIdx="2" presStyleCnt="6">
         <dgm:presLayoutVars>
           <dgm:bulletEnabled val="1"/>
         </dgm:presLayoutVars>
@@ -2638,7 +2701,7 @@
       <dgm:spPr/>
     </dgm:pt>
     <dgm:pt modelId="{212C6A32-E039-4B6C-B264-DA671275507E}" type="pres">
-      <dgm:prSet presAssocID="{1D27C24F-A927-4600-8878-8630ECEBD341}" presName="sibTrans" presStyleLbl="sibTrans2D1" presStyleIdx="2" presStyleCnt="5"/>
+      <dgm:prSet presAssocID="{1D27C24F-A927-4600-8878-8630ECEBD341}" presName="sibTrans" presStyleLbl="sibTrans2D1" presStyleIdx="2" presStyleCnt="6"/>
       <dgm:spPr/>
     </dgm:pt>
     <dgm:pt modelId="{B2DF63D3-0027-42D6-BEB7-43AD254113F1}" type="pres">
@@ -2646,7 +2709,7 @@
       <dgm:spPr/>
     </dgm:pt>
     <dgm:pt modelId="{16EAD731-A57C-4041-B559-7EC79077EC53}" type="pres">
-      <dgm:prSet presAssocID="{BDF19F98-1BB6-4691-BA39-AC544680C920}" presName="node" presStyleLbl="node1" presStyleIdx="3" presStyleCnt="5">
+      <dgm:prSet presAssocID="{BDF19F98-1BB6-4691-BA39-AC544680C920}" presName="node" presStyleLbl="node1" presStyleIdx="3" presStyleCnt="6">
         <dgm:presLayoutVars>
           <dgm:bulletEnabled val="1"/>
         </dgm:presLayoutVars>
@@ -2654,7 +2717,7 @@
       <dgm:spPr/>
     </dgm:pt>
     <dgm:pt modelId="{2E34DF9E-868B-4A46-AA78-8199053E3B5A}" type="pres">
-      <dgm:prSet presAssocID="{ABEF5CDB-B202-47B1-8976-6563592DD193}" presName="sibTrans" presStyleLbl="sibTrans2D1" presStyleIdx="3" presStyleCnt="5"/>
+      <dgm:prSet presAssocID="{ABEF5CDB-B202-47B1-8976-6563592DD193}" presName="sibTrans" presStyleLbl="sibTrans2D1" presStyleIdx="3" presStyleCnt="6"/>
       <dgm:spPr/>
     </dgm:pt>
     <dgm:pt modelId="{3A69013B-636D-412C-A409-F6D854B1E8CF}" type="pres">
@@ -2662,7 +2725,7 @@
       <dgm:spPr/>
     </dgm:pt>
     <dgm:pt modelId="{12FF041E-83E1-47C9-B066-87396D274A0D}" type="pres">
-      <dgm:prSet presAssocID="{A76F7821-8389-4FF6-81DA-C4B97FDCE57C}" presName="node" presStyleLbl="node1" presStyleIdx="4" presStyleCnt="5">
+      <dgm:prSet presAssocID="{A76F7821-8389-4FF6-81DA-C4B97FDCE57C}" presName="node" presStyleLbl="node1" presStyleIdx="4" presStyleCnt="6">
         <dgm:presLayoutVars>
           <dgm:bulletEnabled val="1"/>
         </dgm:presLayoutVars>
@@ -2670,51 +2733,74 @@
       <dgm:spPr/>
     </dgm:pt>
     <dgm:pt modelId="{AAFAAFBE-67D6-4C79-BA3C-CA0235E4A8BE}" type="pres">
-      <dgm:prSet presAssocID="{C62D58A2-E7B0-4326-BAF0-CD60EBC9C61D}" presName="sibTrans" presStyleLbl="sibTrans2D1" presStyleIdx="4" presStyleCnt="5"/>
+      <dgm:prSet presAssocID="{C62D58A2-E7B0-4326-BAF0-CD60EBC9C61D}" presName="sibTrans" presStyleLbl="sibTrans2D1" presStyleIdx="4" presStyleCnt="6"/>
       <dgm:spPr/>
     </dgm:pt>
     <dgm:pt modelId="{31E987A1-818B-493F-AA47-EA8FC0CAD285}" type="pres">
       <dgm:prSet presAssocID="{C62D58A2-E7B0-4326-BAF0-CD60EBC9C61D}" presName="connectorText" presStyleCnt="0"/>
       <dgm:spPr/>
     </dgm:pt>
+    <dgm:pt modelId="{23DBEE30-D958-4250-A326-5418807E8FBE}" type="pres">
+      <dgm:prSet presAssocID="{3088591D-01D8-49F6-8867-6C4A0EFBDAE4}" presName="node" presStyleLbl="node1" presStyleIdx="5" presStyleCnt="6">
+        <dgm:presLayoutVars>
+          <dgm:bulletEnabled val="1"/>
+        </dgm:presLayoutVars>
+      </dgm:prSet>
+      <dgm:spPr/>
+    </dgm:pt>
+    <dgm:pt modelId="{4B447E5E-F8E8-4EC6-9647-37152C153327}" type="pres">
+      <dgm:prSet presAssocID="{030109B3-F048-44C3-983B-14135FBEF5EA}" presName="sibTrans" presStyleLbl="sibTrans2D1" presStyleIdx="5" presStyleCnt="6"/>
+      <dgm:spPr/>
+    </dgm:pt>
+    <dgm:pt modelId="{125F35F7-8960-492D-86F2-96E7D3EAF215}" type="pres">
+      <dgm:prSet presAssocID="{030109B3-F048-44C3-983B-14135FBEF5EA}" presName="connectorText" presStyleCnt="0"/>
+      <dgm:spPr/>
+    </dgm:pt>
   </dgm:ptLst>
   <dgm:cxnLst>
-    <dgm:cxn modelId="{4F4E013A-EB79-4BE0-B308-644D6AE074A7}" srcId="{00F747F6-A844-4E8F-A0A0-423B86FE2B27}" destId="{BE1D93E0-1064-4E35-84F1-274817A8FA14}" srcOrd="0" destOrd="0" parTransId="{B76F6F1F-7313-47A5-BC2E-994D915C21FA}" sibTransId="{485E5104-1EB8-413E-A70E-ADACDF839B14}"/>
-    <dgm:cxn modelId="{1E81CE2C-241B-410B-9933-46853986D855}" srcId="{00F747F6-A844-4E8F-A0A0-423B86FE2B27}" destId="{C850D67D-D455-40F2-BF40-958244ECBECF}" srcOrd="1" destOrd="0" parTransId="{815BEECE-237C-451B-AD1A-99AD91077DC5}" sibTransId="{440047A4-99C5-4142-9A9A-791B1494D18D}"/>
-    <dgm:cxn modelId="{DBB74CFE-ED5E-4B0B-889B-1CA28199E99D}" srcId="{00F747F6-A844-4E8F-A0A0-423B86FE2B27}" destId="{B8C84936-1FF8-491C-957F-E93A0D56BE72}" srcOrd="2" destOrd="0" parTransId="{0A3DB1B2-EEAB-46E8-83B7-3C75439F76AD}" sibTransId="{1D27C24F-A927-4600-8878-8630ECEBD341}"/>
-    <dgm:cxn modelId="{D9E95464-9D0E-47A2-B2CF-216572A134F1}" srcId="{00F747F6-A844-4E8F-A0A0-423B86FE2B27}" destId="{BDF19F98-1BB6-4691-BA39-AC544680C920}" srcOrd="3" destOrd="0" parTransId="{0E0CE0D5-07C4-4901-B365-8211F8750388}" sibTransId="{ABEF5CDB-B202-47B1-8976-6563592DD193}"/>
-    <dgm:cxn modelId="{05B5301F-AFC6-45E3-8B2B-E1903007BADC}" srcId="{00F747F6-A844-4E8F-A0A0-423B86FE2B27}" destId="{A76F7821-8389-4FF6-81DA-C4B97FDCE57C}" srcOrd="4" destOrd="0" parTransId="{D69A4B64-ECF7-44B7-B11F-30D5FBCABAD0}" sibTransId="{C62D58A2-E7B0-4326-BAF0-CD60EBC9C61D}"/>
-    <dgm:cxn modelId="{918EC1EB-F498-4FED-9AAF-D2E7AB3592A3}" type="presOf" srcId="{00F747F6-A844-4E8F-A0A0-423B86FE2B27}" destId="{A15C1A26-8DF5-40E1-BCEB-A9F490C30D57}" srcOrd="0" destOrd="0" presId="urn:microsoft.com/office/officeart/2005/8/layout/cycle2"/>
-    <dgm:cxn modelId="{5FA9E913-669F-4BF2-A3B0-37497AF4A9E9}" type="presParOf" srcId="{A15C1A26-8DF5-40E1-BCEB-A9F490C30D57}" destId="{9027A074-C2B4-4B5C-8A24-9F326C135F2C}" srcOrd="0" destOrd="0" presId="urn:microsoft.com/office/officeart/2005/8/layout/cycle2"/>
-    <dgm:cxn modelId="{93E4F5FB-D643-4802-BAFF-8F2A3D2DF382}" type="presOf" srcId="{BE1D93E0-1064-4E35-84F1-274817A8FA14}" destId="{9027A074-C2B4-4B5C-8A24-9F326C135F2C}" srcOrd="0" destOrd="0" presId="urn:microsoft.com/office/officeart/2005/8/layout/cycle2"/>
-    <dgm:cxn modelId="{BBC9AD00-830B-4C54-9B54-F89F4F40B45B}" type="presParOf" srcId="{A15C1A26-8DF5-40E1-BCEB-A9F490C30D57}" destId="{D428F19C-A8D3-4893-AD7E-2BA65F02F820}" srcOrd="1" destOrd="0" presId="urn:microsoft.com/office/officeart/2005/8/layout/cycle2"/>
-    <dgm:cxn modelId="{543D3C3D-C528-4F3F-957F-3AC46D0BD08E}" type="presOf" srcId="{485E5104-1EB8-413E-A70E-ADACDF839B14}" destId="{D428F19C-A8D3-4893-AD7E-2BA65F02F820}" srcOrd="0" destOrd="0" presId="urn:microsoft.com/office/officeart/2005/8/layout/cycle2"/>
-    <dgm:cxn modelId="{2C9BE42C-4481-47F7-8E3A-E4592BE433FE}" type="presParOf" srcId="{D428F19C-A8D3-4893-AD7E-2BA65F02F820}" destId="{A9F3C989-90B4-4758-9A33-E49FCD0C7D74}" srcOrd="0" destOrd="1" presId="urn:microsoft.com/office/officeart/2005/8/layout/cycle2"/>
-    <dgm:cxn modelId="{6DBEB200-9433-4AC1-B22D-D2EF3038EF3A}" type="presOf" srcId="{485E5104-1EB8-413E-A70E-ADACDF839B14}" destId="{A9F3C989-90B4-4758-9A33-E49FCD0C7D74}" srcOrd="1" destOrd="0" presId="urn:microsoft.com/office/officeart/2005/8/layout/cycle2"/>
-    <dgm:cxn modelId="{2CEB381C-1D5E-433B-9AAE-A7F406D7A569}" type="presParOf" srcId="{A15C1A26-8DF5-40E1-BCEB-A9F490C30D57}" destId="{ADA7BD43-8261-45C1-B84A-0D52FA1E4AE7}" srcOrd="2" destOrd="0" presId="urn:microsoft.com/office/officeart/2005/8/layout/cycle2"/>
-    <dgm:cxn modelId="{1B315F1E-F8A5-4131-9D0E-1E2B4B6E62AF}" type="presOf" srcId="{C850D67D-D455-40F2-BF40-958244ECBECF}" destId="{ADA7BD43-8261-45C1-B84A-0D52FA1E4AE7}" srcOrd="0" destOrd="0" presId="urn:microsoft.com/office/officeart/2005/8/layout/cycle2"/>
-    <dgm:cxn modelId="{1553C880-3A3E-40E4-9CB1-0743537FB720}" type="presParOf" srcId="{A15C1A26-8DF5-40E1-BCEB-A9F490C30D57}" destId="{56F040CF-6F47-4847-8647-F5FDBC9F146A}" srcOrd="3" destOrd="0" presId="urn:microsoft.com/office/officeart/2005/8/layout/cycle2"/>
-    <dgm:cxn modelId="{2FF0C846-D521-461B-A503-807A715CE10A}" type="presOf" srcId="{440047A4-99C5-4142-9A9A-791B1494D18D}" destId="{56F040CF-6F47-4847-8647-F5FDBC9F146A}" srcOrd="0" destOrd="0" presId="urn:microsoft.com/office/officeart/2005/8/layout/cycle2"/>
-    <dgm:cxn modelId="{1582B551-50DB-46FE-9E79-95BD6E11358D}" type="presParOf" srcId="{56F040CF-6F47-4847-8647-F5FDBC9F146A}" destId="{625DDE57-EEE3-4179-988C-D68B639218F6}" srcOrd="0" destOrd="3" presId="urn:microsoft.com/office/officeart/2005/8/layout/cycle2"/>
-    <dgm:cxn modelId="{AE23C63E-C384-41BF-BAFA-15D19FF45C8E}" type="presOf" srcId="{440047A4-99C5-4142-9A9A-791B1494D18D}" destId="{625DDE57-EEE3-4179-988C-D68B639218F6}" srcOrd="1" destOrd="0" presId="urn:microsoft.com/office/officeart/2005/8/layout/cycle2"/>
-    <dgm:cxn modelId="{C1C549B7-6BC9-4D33-A770-35983A2AE181}" type="presParOf" srcId="{A15C1A26-8DF5-40E1-BCEB-A9F490C30D57}" destId="{4DEB6BE5-009F-44B4-83FA-1FE41DB12AD9}" srcOrd="4" destOrd="0" presId="urn:microsoft.com/office/officeart/2005/8/layout/cycle2"/>
-    <dgm:cxn modelId="{9B9C9028-3EF9-4D1F-84AF-5E1890E80187}" type="presOf" srcId="{B8C84936-1FF8-491C-957F-E93A0D56BE72}" destId="{4DEB6BE5-009F-44B4-83FA-1FE41DB12AD9}" srcOrd="0" destOrd="0" presId="urn:microsoft.com/office/officeart/2005/8/layout/cycle2"/>
-    <dgm:cxn modelId="{4A5D0F17-726D-4D6F-B977-8BC7BC9D0EB1}" type="presParOf" srcId="{A15C1A26-8DF5-40E1-BCEB-A9F490C30D57}" destId="{212C6A32-E039-4B6C-B264-DA671275507E}" srcOrd="5" destOrd="0" presId="urn:microsoft.com/office/officeart/2005/8/layout/cycle2"/>
-    <dgm:cxn modelId="{7A16A1C4-DFC4-4D7B-AED9-414CFDC3E365}" type="presOf" srcId="{1D27C24F-A927-4600-8878-8630ECEBD341}" destId="{212C6A32-E039-4B6C-B264-DA671275507E}" srcOrd="0" destOrd="0" presId="urn:microsoft.com/office/officeart/2005/8/layout/cycle2"/>
-    <dgm:cxn modelId="{1D307DF5-240C-4688-8606-55549246A8E1}" type="presParOf" srcId="{212C6A32-E039-4B6C-B264-DA671275507E}" destId="{B2DF63D3-0027-42D6-BEB7-43AD254113F1}" srcOrd="0" destOrd="5" presId="urn:microsoft.com/office/officeart/2005/8/layout/cycle2"/>
-    <dgm:cxn modelId="{F8563960-FAEB-4503-AEF7-7B0AF529492F}" type="presOf" srcId="{1D27C24F-A927-4600-8878-8630ECEBD341}" destId="{B2DF63D3-0027-42D6-BEB7-43AD254113F1}" srcOrd="1" destOrd="0" presId="urn:microsoft.com/office/officeart/2005/8/layout/cycle2"/>
-    <dgm:cxn modelId="{5115AD3B-A406-4FF3-AFAC-EA976677099D}" type="presParOf" srcId="{A15C1A26-8DF5-40E1-BCEB-A9F490C30D57}" destId="{16EAD731-A57C-4041-B559-7EC79077EC53}" srcOrd="6" destOrd="0" presId="urn:microsoft.com/office/officeart/2005/8/layout/cycle2"/>
-    <dgm:cxn modelId="{78D82B18-C45D-47B4-82B5-6BFAC8BCD1A1}" type="presOf" srcId="{BDF19F98-1BB6-4691-BA39-AC544680C920}" destId="{16EAD731-A57C-4041-B559-7EC79077EC53}" srcOrd="0" destOrd="0" presId="urn:microsoft.com/office/officeart/2005/8/layout/cycle2"/>
-    <dgm:cxn modelId="{23D051DE-6718-4360-8E26-55C29AB5D7F7}" type="presParOf" srcId="{A15C1A26-8DF5-40E1-BCEB-A9F490C30D57}" destId="{2E34DF9E-868B-4A46-AA78-8199053E3B5A}" srcOrd="7" destOrd="0" presId="urn:microsoft.com/office/officeart/2005/8/layout/cycle2"/>
-    <dgm:cxn modelId="{91F58B4A-F8CE-404E-A4A6-7AC51BA21D51}" type="presOf" srcId="{ABEF5CDB-B202-47B1-8976-6563592DD193}" destId="{2E34DF9E-868B-4A46-AA78-8199053E3B5A}" srcOrd="0" destOrd="0" presId="urn:microsoft.com/office/officeart/2005/8/layout/cycle2"/>
-    <dgm:cxn modelId="{2AD5BFA6-2916-4B54-9588-DD3CF60D2236}" type="presParOf" srcId="{2E34DF9E-868B-4A46-AA78-8199053E3B5A}" destId="{3A69013B-636D-412C-A409-F6D854B1E8CF}" srcOrd="0" destOrd="7" presId="urn:microsoft.com/office/officeart/2005/8/layout/cycle2"/>
-    <dgm:cxn modelId="{6C23ED84-14EE-4E92-B5BE-1119CD6D7CEC}" type="presOf" srcId="{ABEF5CDB-B202-47B1-8976-6563592DD193}" destId="{3A69013B-636D-412C-A409-F6D854B1E8CF}" srcOrd="1" destOrd="0" presId="urn:microsoft.com/office/officeart/2005/8/layout/cycle2"/>
-    <dgm:cxn modelId="{F6F4E61C-B121-46B4-BC0D-36AA2F41FCD8}" type="presParOf" srcId="{A15C1A26-8DF5-40E1-BCEB-A9F490C30D57}" destId="{12FF041E-83E1-47C9-B066-87396D274A0D}" srcOrd="8" destOrd="0" presId="urn:microsoft.com/office/officeart/2005/8/layout/cycle2"/>
-    <dgm:cxn modelId="{FAC31D8B-57B1-4D35-BF32-6475D24963CA}" type="presOf" srcId="{A76F7821-8389-4FF6-81DA-C4B97FDCE57C}" destId="{12FF041E-83E1-47C9-B066-87396D274A0D}" srcOrd="0" destOrd="0" presId="urn:microsoft.com/office/officeart/2005/8/layout/cycle2"/>
-    <dgm:cxn modelId="{5ADA0D61-CBAF-4952-B385-162BD4A451A3}" type="presParOf" srcId="{A15C1A26-8DF5-40E1-BCEB-A9F490C30D57}" destId="{AAFAAFBE-67D6-4C79-BA3C-CA0235E4A8BE}" srcOrd="9" destOrd="0" presId="urn:microsoft.com/office/officeart/2005/8/layout/cycle2"/>
-    <dgm:cxn modelId="{47D86ED7-7648-4F66-8BCE-5A9E916EB41D}" type="presOf" srcId="{C62D58A2-E7B0-4326-BAF0-CD60EBC9C61D}" destId="{AAFAAFBE-67D6-4C79-BA3C-CA0235E4A8BE}" srcOrd="0" destOrd="0" presId="urn:microsoft.com/office/officeart/2005/8/layout/cycle2"/>
-    <dgm:cxn modelId="{2ED477D7-E4D1-4BBF-8CFF-9CD032580AF4}" type="presParOf" srcId="{AAFAAFBE-67D6-4C79-BA3C-CA0235E4A8BE}" destId="{31E987A1-818B-493F-AA47-EA8FC0CAD285}" srcOrd="0" destOrd="9" presId="urn:microsoft.com/office/officeart/2005/8/layout/cycle2"/>
-    <dgm:cxn modelId="{E9E1F74A-E7E7-49BB-AEBD-FCE7978400A0}" type="presOf" srcId="{C62D58A2-E7B0-4326-BAF0-CD60EBC9C61D}" destId="{31E987A1-818B-493F-AA47-EA8FC0CAD285}" srcOrd="1" destOrd="0" presId="urn:microsoft.com/office/officeart/2005/8/layout/cycle2"/>
+    <dgm:cxn modelId="{3B534411-F266-41B3-A3C1-4F8551442B7F}" srcId="{00F747F6-A844-4E8F-A0A0-423B86FE2B27}" destId="{BE1D93E0-1064-4E35-84F1-274817A8FA14}" srcOrd="0" destOrd="0" parTransId="{B76F6F1F-7313-47A5-BC2E-994D915C21FA}" sibTransId="{485E5104-1EB8-413E-A70E-ADACDF839B14}"/>
+    <dgm:cxn modelId="{EC7B7BE8-82B4-4911-9141-BD1A53A378F7}" srcId="{00F747F6-A844-4E8F-A0A0-423B86FE2B27}" destId="{C850D67D-D455-40F2-BF40-958244ECBECF}" srcOrd="1" destOrd="0" parTransId="{815BEECE-237C-451B-AD1A-99AD91077DC5}" sibTransId="{440047A4-99C5-4142-9A9A-791B1494D18D}"/>
+    <dgm:cxn modelId="{C2D14770-C373-462D-BCF9-C6CF5B1EAB72}" srcId="{00F747F6-A844-4E8F-A0A0-423B86FE2B27}" destId="{B8C84936-1FF8-491C-957F-E93A0D56BE72}" srcOrd="2" destOrd="0" parTransId="{0A3DB1B2-EEAB-46E8-83B7-3C75439F76AD}" sibTransId="{1D27C24F-A927-4600-8878-8630ECEBD341}"/>
+    <dgm:cxn modelId="{F9F75891-E85C-401E-A1C4-DA9A037A5657}" srcId="{00F747F6-A844-4E8F-A0A0-423B86FE2B27}" destId="{BDF19F98-1BB6-4691-BA39-AC544680C920}" srcOrd="3" destOrd="0" parTransId="{0E0CE0D5-07C4-4901-B365-8211F8750388}" sibTransId="{ABEF5CDB-B202-47B1-8976-6563592DD193}"/>
+    <dgm:cxn modelId="{862B197C-D569-496C-A167-A7C4DE9A88F9}" srcId="{00F747F6-A844-4E8F-A0A0-423B86FE2B27}" destId="{A76F7821-8389-4FF6-81DA-C4B97FDCE57C}" srcOrd="4" destOrd="0" parTransId="{D69A4B64-ECF7-44B7-B11F-30D5FBCABAD0}" sibTransId="{C62D58A2-E7B0-4326-BAF0-CD60EBC9C61D}"/>
+    <dgm:cxn modelId="{073A16A3-778C-4247-B7A4-5510C80E5904}" srcId="{00F747F6-A844-4E8F-A0A0-423B86FE2B27}" destId="{3088591D-01D8-49F6-8867-6C4A0EFBDAE4}" srcOrd="5" destOrd="0" parTransId="{7C298D0A-C951-4F5C-A197-5E169FA987DC}" sibTransId="{030109B3-F048-44C3-983B-14135FBEF5EA}"/>
+    <dgm:cxn modelId="{CCB9AA69-A581-457B-9237-C1AB8865284E}" type="presOf" srcId="{00F747F6-A844-4E8F-A0A0-423B86FE2B27}" destId="{A15C1A26-8DF5-40E1-BCEB-A9F490C30D57}" srcOrd="0" destOrd="0" presId="urn:microsoft.com/office/officeart/2005/8/layout/cycle2"/>
+    <dgm:cxn modelId="{23E4877C-C2E3-4CA8-961F-B9ECCAA600C4}" type="presParOf" srcId="{A15C1A26-8DF5-40E1-BCEB-A9F490C30D57}" destId="{9027A074-C2B4-4B5C-8A24-9F326C135F2C}" srcOrd="0" destOrd="0" presId="urn:microsoft.com/office/officeart/2005/8/layout/cycle2"/>
+    <dgm:cxn modelId="{C11CFB8E-F54B-4605-81C1-3A712DD6264D}" type="presOf" srcId="{BE1D93E0-1064-4E35-84F1-274817A8FA14}" destId="{9027A074-C2B4-4B5C-8A24-9F326C135F2C}" srcOrd="0" destOrd="0" presId="urn:microsoft.com/office/officeart/2005/8/layout/cycle2"/>
+    <dgm:cxn modelId="{1AF1E321-CC5E-4F1F-9B6E-97D61F4DDFD3}" type="presParOf" srcId="{A15C1A26-8DF5-40E1-BCEB-A9F490C30D57}" destId="{D428F19C-A8D3-4893-AD7E-2BA65F02F820}" srcOrd="1" destOrd="0" presId="urn:microsoft.com/office/officeart/2005/8/layout/cycle2"/>
+    <dgm:cxn modelId="{8842B090-6BA5-4E96-9490-D483C8E6C9A5}" type="presOf" srcId="{485E5104-1EB8-413E-A70E-ADACDF839B14}" destId="{D428F19C-A8D3-4893-AD7E-2BA65F02F820}" srcOrd="0" destOrd="0" presId="urn:microsoft.com/office/officeart/2005/8/layout/cycle2"/>
+    <dgm:cxn modelId="{0DA64BBE-AED6-46D5-AEAE-483A2D5378A8}" type="presParOf" srcId="{D428F19C-A8D3-4893-AD7E-2BA65F02F820}" destId="{A9F3C989-90B4-4758-9A33-E49FCD0C7D74}" srcOrd="0" destOrd="1" presId="urn:microsoft.com/office/officeart/2005/8/layout/cycle2"/>
+    <dgm:cxn modelId="{736559AE-9E52-4674-839E-F55AFF299161}" type="presOf" srcId="{485E5104-1EB8-413E-A70E-ADACDF839B14}" destId="{A9F3C989-90B4-4758-9A33-E49FCD0C7D74}" srcOrd="1" destOrd="0" presId="urn:microsoft.com/office/officeart/2005/8/layout/cycle2"/>
+    <dgm:cxn modelId="{4DAD6B88-61C2-497B-A4B4-9770CD4050B2}" type="presParOf" srcId="{A15C1A26-8DF5-40E1-BCEB-A9F490C30D57}" destId="{ADA7BD43-8261-45C1-B84A-0D52FA1E4AE7}" srcOrd="2" destOrd="0" presId="urn:microsoft.com/office/officeart/2005/8/layout/cycle2"/>
+    <dgm:cxn modelId="{3C166000-6BE0-46E2-86EF-1AAAB9A02A23}" type="presOf" srcId="{C850D67D-D455-40F2-BF40-958244ECBECF}" destId="{ADA7BD43-8261-45C1-B84A-0D52FA1E4AE7}" srcOrd="0" destOrd="0" presId="urn:microsoft.com/office/officeart/2005/8/layout/cycle2"/>
+    <dgm:cxn modelId="{075C6D3C-7CEE-42C2-A54F-74CD1F40B9AA}" type="presParOf" srcId="{A15C1A26-8DF5-40E1-BCEB-A9F490C30D57}" destId="{56F040CF-6F47-4847-8647-F5FDBC9F146A}" srcOrd="3" destOrd="0" presId="urn:microsoft.com/office/officeart/2005/8/layout/cycle2"/>
+    <dgm:cxn modelId="{6AB59AF4-DE3B-4BFD-B2B2-2C41C7C49F25}" type="presOf" srcId="{440047A4-99C5-4142-9A9A-791B1494D18D}" destId="{56F040CF-6F47-4847-8647-F5FDBC9F146A}" srcOrd="0" destOrd="0" presId="urn:microsoft.com/office/officeart/2005/8/layout/cycle2"/>
+    <dgm:cxn modelId="{5E6AB8CC-22A4-4105-B988-4C8FB5E10078}" type="presParOf" srcId="{56F040CF-6F47-4847-8647-F5FDBC9F146A}" destId="{625DDE57-EEE3-4179-988C-D68B639218F6}" srcOrd="0" destOrd="3" presId="urn:microsoft.com/office/officeart/2005/8/layout/cycle2"/>
+    <dgm:cxn modelId="{F537C0D7-6B6D-4AAB-BDA0-C4F1A5FEB8A7}" type="presOf" srcId="{440047A4-99C5-4142-9A9A-791B1494D18D}" destId="{625DDE57-EEE3-4179-988C-D68B639218F6}" srcOrd="1" destOrd="0" presId="urn:microsoft.com/office/officeart/2005/8/layout/cycle2"/>
+    <dgm:cxn modelId="{86D1B93D-D5AF-4431-8676-57B85300AAA9}" type="presParOf" srcId="{A15C1A26-8DF5-40E1-BCEB-A9F490C30D57}" destId="{4DEB6BE5-009F-44B4-83FA-1FE41DB12AD9}" srcOrd="4" destOrd="0" presId="urn:microsoft.com/office/officeart/2005/8/layout/cycle2"/>
+    <dgm:cxn modelId="{664FB318-F19D-4F54-BAAC-2B731A025563}" type="presOf" srcId="{B8C84936-1FF8-491C-957F-E93A0D56BE72}" destId="{4DEB6BE5-009F-44B4-83FA-1FE41DB12AD9}" srcOrd="0" destOrd="0" presId="urn:microsoft.com/office/officeart/2005/8/layout/cycle2"/>
+    <dgm:cxn modelId="{C9B95B13-06B1-48EF-B1E7-4F9F83025748}" type="presParOf" srcId="{A15C1A26-8DF5-40E1-BCEB-A9F490C30D57}" destId="{212C6A32-E039-4B6C-B264-DA671275507E}" srcOrd="5" destOrd="0" presId="urn:microsoft.com/office/officeart/2005/8/layout/cycle2"/>
+    <dgm:cxn modelId="{2F940408-5A57-46F6-B00B-CD30B447EBE0}" type="presOf" srcId="{1D27C24F-A927-4600-8878-8630ECEBD341}" destId="{212C6A32-E039-4B6C-B264-DA671275507E}" srcOrd="0" destOrd="0" presId="urn:microsoft.com/office/officeart/2005/8/layout/cycle2"/>
+    <dgm:cxn modelId="{63041E39-C248-4F30-A072-8E9CE952A092}" type="presParOf" srcId="{212C6A32-E039-4B6C-B264-DA671275507E}" destId="{B2DF63D3-0027-42D6-BEB7-43AD254113F1}" srcOrd="0" destOrd="5" presId="urn:microsoft.com/office/officeart/2005/8/layout/cycle2"/>
+    <dgm:cxn modelId="{6BA09E2C-A584-491A-8784-F619020364BF}" type="presOf" srcId="{1D27C24F-A927-4600-8878-8630ECEBD341}" destId="{B2DF63D3-0027-42D6-BEB7-43AD254113F1}" srcOrd="1" destOrd="0" presId="urn:microsoft.com/office/officeart/2005/8/layout/cycle2"/>
+    <dgm:cxn modelId="{9F81D4C6-6C1E-4017-B5A4-E38E9966FC5A}" type="presParOf" srcId="{A15C1A26-8DF5-40E1-BCEB-A9F490C30D57}" destId="{16EAD731-A57C-4041-B559-7EC79077EC53}" srcOrd="6" destOrd="0" presId="urn:microsoft.com/office/officeart/2005/8/layout/cycle2"/>
+    <dgm:cxn modelId="{B6ABFA34-C5E5-471D-8BF0-D035652CF0B2}" type="presOf" srcId="{BDF19F98-1BB6-4691-BA39-AC544680C920}" destId="{16EAD731-A57C-4041-B559-7EC79077EC53}" srcOrd="0" destOrd="0" presId="urn:microsoft.com/office/officeart/2005/8/layout/cycle2"/>
+    <dgm:cxn modelId="{4D782CA5-481B-413C-AD1E-515F2D389BCF}" type="presParOf" srcId="{A15C1A26-8DF5-40E1-BCEB-A9F490C30D57}" destId="{2E34DF9E-868B-4A46-AA78-8199053E3B5A}" srcOrd="7" destOrd="0" presId="urn:microsoft.com/office/officeart/2005/8/layout/cycle2"/>
+    <dgm:cxn modelId="{8F4023C6-BFD8-47E8-A5F1-7D664E6C5D5C}" type="presOf" srcId="{ABEF5CDB-B202-47B1-8976-6563592DD193}" destId="{2E34DF9E-868B-4A46-AA78-8199053E3B5A}" srcOrd="0" destOrd="0" presId="urn:microsoft.com/office/officeart/2005/8/layout/cycle2"/>
+    <dgm:cxn modelId="{3076279D-6995-4AE9-BD5E-B3EFDE132F99}" type="presParOf" srcId="{2E34DF9E-868B-4A46-AA78-8199053E3B5A}" destId="{3A69013B-636D-412C-A409-F6D854B1E8CF}" srcOrd="0" destOrd="7" presId="urn:microsoft.com/office/officeart/2005/8/layout/cycle2"/>
+    <dgm:cxn modelId="{4145DA55-074C-4324-8400-1905F8266277}" type="presOf" srcId="{ABEF5CDB-B202-47B1-8976-6563592DD193}" destId="{3A69013B-636D-412C-A409-F6D854B1E8CF}" srcOrd="1" destOrd="0" presId="urn:microsoft.com/office/officeart/2005/8/layout/cycle2"/>
+    <dgm:cxn modelId="{476EB6F6-89EC-4E6F-A8B5-A9632420E03E}" type="presParOf" srcId="{A15C1A26-8DF5-40E1-BCEB-A9F490C30D57}" destId="{12FF041E-83E1-47C9-B066-87396D274A0D}" srcOrd="8" destOrd="0" presId="urn:microsoft.com/office/officeart/2005/8/layout/cycle2"/>
+    <dgm:cxn modelId="{D6B9FA97-8F69-4066-80B2-D3BA704B598C}" type="presOf" srcId="{A76F7821-8389-4FF6-81DA-C4B97FDCE57C}" destId="{12FF041E-83E1-47C9-B066-87396D274A0D}" srcOrd="0" destOrd="0" presId="urn:microsoft.com/office/officeart/2005/8/layout/cycle2"/>
+    <dgm:cxn modelId="{923B55C2-2954-4EF3-B285-FC2A01C35419}" type="presParOf" srcId="{A15C1A26-8DF5-40E1-BCEB-A9F490C30D57}" destId="{AAFAAFBE-67D6-4C79-BA3C-CA0235E4A8BE}" srcOrd="9" destOrd="0" presId="urn:microsoft.com/office/officeart/2005/8/layout/cycle2"/>
+    <dgm:cxn modelId="{14C73B2D-4079-4F91-B3EF-02B496DF6091}" type="presOf" srcId="{C62D58A2-E7B0-4326-BAF0-CD60EBC9C61D}" destId="{AAFAAFBE-67D6-4C79-BA3C-CA0235E4A8BE}" srcOrd="0" destOrd="0" presId="urn:microsoft.com/office/officeart/2005/8/layout/cycle2"/>
+    <dgm:cxn modelId="{50CE44AC-9C14-4873-832E-F2B79C94214F}" type="presParOf" srcId="{AAFAAFBE-67D6-4C79-BA3C-CA0235E4A8BE}" destId="{31E987A1-818B-493F-AA47-EA8FC0CAD285}" srcOrd="0" destOrd="9" presId="urn:microsoft.com/office/officeart/2005/8/layout/cycle2"/>
+    <dgm:cxn modelId="{90D9F203-40F4-4C6A-BB74-D184FDED80CD}" type="presOf" srcId="{C62D58A2-E7B0-4326-BAF0-CD60EBC9C61D}" destId="{31E987A1-818B-493F-AA47-EA8FC0CAD285}" srcOrd="1" destOrd="0" presId="urn:microsoft.com/office/officeart/2005/8/layout/cycle2"/>
+    <dgm:cxn modelId="{8890DEEE-66F9-437D-AC9C-6361EF6C850F}" type="presParOf" srcId="{A15C1A26-8DF5-40E1-BCEB-A9F490C30D57}" destId="{23DBEE30-D958-4250-A326-5418807E8FBE}" srcOrd="10" destOrd="0" presId="urn:microsoft.com/office/officeart/2005/8/layout/cycle2"/>
+    <dgm:cxn modelId="{24E89142-9BD3-46F3-852F-8AD69701F2BB}" type="presOf" srcId="{3088591D-01D8-49F6-8867-6C4A0EFBDAE4}" destId="{23DBEE30-D958-4250-A326-5418807E8FBE}" srcOrd="0" destOrd="0" presId="urn:microsoft.com/office/officeart/2005/8/layout/cycle2"/>
+    <dgm:cxn modelId="{57C0C48E-3882-4980-87FB-57E7C47ADC32}" type="presParOf" srcId="{A15C1A26-8DF5-40E1-BCEB-A9F490C30D57}" destId="{4B447E5E-F8E8-4EC6-9647-37152C153327}" srcOrd="11" destOrd="0" presId="urn:microsoft.com/office/officeart/2005/8/layout/cycle2"/>
+    <dgm:cxn modelId="{2F0D8249-43A6-4A3B-AAFE-18988AC9835D}" type="presOf" srcId="{030109B3-F048-44C3-983B-14135FBEF5EA}" destId="{4B447E5E-F8E8-4EC6-9647-37152C153327}" srcOrd="0" destOrd="0" presId="urn:microsoft.com/office/officeart/2005/8/layout/cycle2"/>
+    <dgm:cxn modelId="{EC3A3322-10D5-4E33-B2A7-D68EEC00139A}" type="presParOf" srcId="{4B447E5E-F8E8-4EC6-9647-37152C153327}" destId="{125F35F7-8960-492D-86F2-96E7D3EAF215}" srcOrd="0" destOrd="11" presId="urn:microsoft.com/office/officeart/2005/8/layout/cycle2"/>
+    <dgm:cxn modelId="{519D1D18-E5FF-403E-AA7B-FBCFCDA03BE7}" type="presOf" srcId="{030109B3-F048-44C3-983B-14135FBEF5EA}" destId="{125F35F7-8960-492D-86F2-96E7D3EAF215}" srcOrd="1" destOrd="0" presId="urn:microsoft.com/office/officeart/2005/8/layout/cycle2"/>
   </dgm:cxnLst>
   <dgm:bg/>
   <dgm:whole/>
@@ -5348,6 +5434,50 @@
 </p:notes>
 </file>
 
+<file path=ppt/notesSlides/notesSlide2.xml><?xml version="1.0" encoding="utf-8"?>
+<p:notes xmlns:a="http://schemas.openxmlformats.org/drawingml/2006/main" xmlns:r="http://schemas.openxmlformats.org/officeDocument/2006/relationships" xmlns:p="http://schemas.openxmlformats.org/presentationml/2006/main">
+  <p:cSld>
+    <p:spTree>
+      <p:nvGrpSpPr>
+        <p:cNvPr id="1" name=""/>
+        <p:cNvGrpSpPr/>
+        <p:nvPr/>
+      </p:nvGrpSpPr>
+      <p:grpSpPr/>
+      <p:sp>
+        <p:nvSpPr>
+          <p:cNvPr id="2" name="Slide Image Placeholder 1"/>
+          <p:cNvSpPr/>
+          <p:nvPr>
+            <p:ph type="sldImg" idx="2"/>
+          </p:nvPr>
+        </p:nvSpPr>
+        <p:spPr/>
+      </p:sp>
+      <p:sp>
+        <p:nvSpPr>
+          <p:cNvPr id="3" name="Text Placeholder 2"/>
+          <p:cNvSpPr/>
+          <p:nvPr>
+            <p:ph type="body" idx="3"/>
+          </p:nvPr>
+        </p:nvSpPr>
+        <p:spPr/>
+        <p:txBody>
+          <a:bodyPr/>
+          <a:p>
+            <a:endParaRPr lang="en-US"/>
+          </a:p>
+        </p:txBody>
+      </p:sp>
+    </p:spTree>
+  </p:cSld>
+  <p:clrMapOvr>
+    <a:masterClrMapping/>
+  </p:clrMapOvr>
+</p:notes>
+</file>
+
 <file path=ppt/slideLayouts/slideLayout1.xml><?xml version="1.0" encoding="utf-8"?>
 <p:sldLayout xmlns:a="http://schemas.openxmlformats.org/drawingml/2006/main" xmlns:r="http://schemas.openxmlformats.org/officeDocument/2006/relationships" xmlns:p="http://schemas.openxmlformats.org/presentationml/2006/main" type="title" preserve="1">
   <p:cSld name="Title Slide">
@@ -9199,47 +9329,31 @@
         <p:spPr/>
         <p:txBody>
           <a:bodyPr>
-            <a:normAutofit fontScale="90000"/>
+            <a:normAutofit/>
           </a:bodyPr>
           <a:p>
             <a:pPr algn="ctr"/>
             <a:r>
               <a:rPr lang="en-US">
+                <a:solidFill>
+                  <a:schemeClr val="tx1"/>
+                </a:solidFill>
                 <a:sym typeface="+mn-ea"/>
               </a:rPr>
               <a:t>INFORMATION LIFECYCLE</a:t>
             </a:r>
             <a:br>
               <a:rPr lang="en-US">
-                <a:sym typeface="+mn-ea"/>
+                <a:solidFill>
+                  <a:schemeClr val="tx1"/>
+                </a:solidFill>
               </a:rPr>
             </a:br>
-            <a:br>
-              <a:rPr lang="en-US">
-                <a:sym typeface="+mn-ea"/>
-              </a:rPr>
-            </a:br>
-            <a:r>
-              <a:rPr lang="en-US">
-                <a:sym typeface="+mn-ea"/>
-              </a:rPr>
-              <a:t>	Faced Question:</a:t>
-            </a:r>
-            <a:br>
-              <a:rPr lang="en-US">
-                <a:sym typeface="+mn-ea"/>
-              </a:rPr>
-            </a:br>
-            <a:r>
-              <a:rPr lang="en-US">
-                <a:sym typeface="+mn-ea"/>
-              </a:rPr>
-              <a:t>Add shape!</a:t>
-            </a:r>
-            <a:br>
-              <a:rPr lang="en-US"/>
-            </a:br>
-            <a:endParaRPr lang="en-US"/>
+            <a:endParaRPr lang="en-US">
+              <a:solidFill>
+                <a:schemeClr val="tx1"/>
+              </a:solidFill>
+            </a:endParaRPr>
           </a:p>
         </p:txBody>
       </p:sp>
@@ -9250,7 +9364,7 @@
           <p:nvPr/>
         </p:nvGraphicFramePr>
         <p:xfrm>
-          <a:off x="1616710" y="1584325"/>
+          <a:off x="1744345" y="1467485"/>
           <a:ext cx="8128000" cy="4663440"/>
         </p:xfrm>
         <a:graphic>
@@ -9272,6 +9386,13 @@
       <p:transition spd="slow"/>
     </mc:Fallback>
   </mc:AlternateContent>
+  <p:timing>
+    <p:tnLst>
+      <p:par>
+        <p:cTn id="1" dur="indefinite" restart="never" nodeType="tmRoot"/>
+      </p:par>
+    </p:tnLst>
+  </p:timing>
 </p:sld>
 </file>
 
@@ -9401,55 +9522,26 @@
             <p:ph type="title"/>
           </p:nvPr>
         </p:nvSpPr>
-        <p:spPr/>
+        <p:spPr>
+          <a:xfrm>
+            <a:off x="626745" y="639445"/>
+            <a:ext cx="10515600" cy="1082040"/>
+          </a:xfrm>
+        </p:spPr>
         <p:txBody>
-          <a:bodyPr>
-            <a:normAutofit fontScale="90000"/>
-          </a:bodyPr>
+          <a:bodyPr/>
           <a:p>
             <a:pPr algn="ctr"/>
             <a:r>
-              <a:rPr lang="en-US" u="sng">
+              <a:rPr lang="en-US" sz="3200" u="sng">
                 <a:sym typeface="+mn-ea"/>
               </a:rPr>
               <a:t>INFORMATION SYSTEM COMPONENTS</a:t>
             </a:r>
             <a:br>
-              <a:rPr lang="en-US" u="sng">
-                <a:sym typeface="+mn-ea"/>
-              </a:rPr>
+              <a:rPr lang="en-US" sz="3200" u="sng"/>
             </a:br>
-            <a:br>
-              <a:rPr lang="en-US" u="sng">
-                <a:sym typeface="+mn-ea"/>
-              </a:rPr>
-            </a:br>
-            <a:br>
-              <a:rPr lang="en-US" u="sng">
-                <a:sym typeface="+mn-ea"/>
-              </a:rPr>
-            </a:br>
-            <a:r>
-              <a:rPr lang="en-US" u="sng">
-                <a:sym typeface="+mn-ea"/>
-              </a:rPr>
-              <a:t>Faced Questions:</a:t>
-            </a:r>
-            <a:br>
-              <a:rPr lang="en-US" u="sng">
-                <a:sym typeface="+mn-ea"/>
-              </a:rPr>
-            </a:br>
-            <a:r>
-              <a:rPr lang="en-US" u="sng">
-                <a:sym typeface="+mn-ea"/>
-              </a:rPr>
-              <a:t>add animation and animation  painter</a:t>
-            </a:r>
-            <a:br>
-              <a:rPr lang="en-US" u="sng"/>
-            </a:br>
-            <a:endParaRPr lang="en-US" u="sng"/>
+            <a:endParaRPr lang="en-US" sz="3200" u="sng"/>
           </a:p>
         </p:txBody>
       </p:sp>
@@ -9461,7 +9553,7 @@
         </p:nvSpPr>
         <p:spPr>
           <a:xfrm>
-            <a:off x="201930" y="1965325"/>
+            <a:off x="5019040" y="3056890"/>
             <a:ext cx="1893570" cy="744855"/>
           </a:xfrm>
           <a:prstGeom prst="roundRect">
@@ -9507,7 +9599,7 @@
         </p:nvSpPr>
         <p:spPr>
           <a:xfrm>
-            <a:off x="2333625" y="1965325"/>
+            <a:off x="5019040" y="3056255"/>
             <a:ext cx="1893570" cy="744855"/>
           </a:xfrm>
           <a:prstGeom prst="roundRect">
@@ -9553,7 +9645,7 @@
         </p:nvSpPr>
         <p:spPr>
           <a:xfrm>
-            <a:off x="4348480" y="1965325"/>
+            <a:off x="5019040" y="3056890"/>
             <a:ext cx="1893570" cy="744855"/>
           </a:xfrm>
           <a:prstGeom prst="roundRect">
@@ -9599,7 +9691,7 @@
         </p:nvSpPr>
         <p:spPr>
           <a:xfrm>
-            <a:off x="6334125" y="1965325"/>
+            <a:off x="5019040" y="3056890"/>
             <a:ext cx="1893570" cy="744855"/>
           </a:xfrm>
           <a:prstGeom prst="roundRect">
@@ -9645,53 +9737,7 @@
         </p:nvSpPr>
         <p:spPr>
           <a:xfrm>
-            <a:off x="8319770" y="1965325"/>
-            <a:ext cx="1691640" cy="744855"/>
-          </a:xfrm>
-          <a:prstGeom prst="roundRect">
-            <a:avLst/>
-          </a:prstGeom>
-          <a:solidFill>
-            <a:schemeClr val="accent2"/>
-          </a:solidFill>
-        </p:spPr>
-        <p:style>
-          <a:lnRef idx="2">
-            <a:schemeClr val="accent1">
-              <a:shade val="50000"/>
-            </a:schemeClr>
-          </a:lnRef>
-          <a:fillRef idx="1">
-            <a:schemeClr val="accent1"/>
-          </a:fillRef>
-          <a:effectRef idx="0">
-            <a:schemeClr val="accent1"/>
-          </a:effectRef>
-          <a:fontRef idx="minor">
-            <a:schemeClr val="lt1"/>
-          </a:fontRef>
-        </p:style>
-        <p:txBody>
-          <a:bodyPr rtlCol="0" anchor="ctr"/>
-          <a:p>
-            <a:pPr algn="ctr"/>
-            <a:r>
-              <a:rPr lang="en-US"/>
-              <a:t>NETWORKS</a:t>
-            </a:r>
-            <a:endParaRPr lang="en-US"/>
-          </a:p>
-        </p:txBody>
-      </p:sp>
-      <p:sp>
-        <p:nvSpPr>
-          <p:cNvPr id="17" name="Rounded Rectangle 16"/>
-          <p:cNvSpPr/>
-          <p:nvPr/>
-        </p:nvSpPr>
-        <p:spPr>
-          <a:xfrm>
-            <a:off x="10103485" y="1965325"/>
+            <a:off x="5019040" y="3056255"/>
             <a:ext cx="1893570" cy="744855"/>
           </a:xfrm>
           <a:prstGeom prst="roundRect">
@@ -9723,6 +9769,52 @@
             <a:pPr algn="ctr"/>
             <a:r>
               <a:rPr lang="en-US"/>
+              <a:t>NETWORKS</a:t>
+            </a:r>
+            <a:endParaRPr lang="en-US"/>
+          </a:p>
+        </p:txBody>
+      </p:sp>
+      <p:sp>
+        <p:nvSpPr>
+          <p:cNvPr id="17" name="Rounded Rectangle 16"/>
+          <p:cNvSpPr/>
+          <p:nvPr/>
+        </p:nvSpPr>
+        <p:spPr>
+          <a:xfrm>
+            <a:off x="5019040" y="3056890"/>
+            <a:ext cx="1893570" cy="744855"/>
+          </a:xfrm>
+          <a:prstGeom prst="roundRect">
+            <a:avLst/>
+          </a:prstGeom>
+          <a:solidFill>
+            <a:schemeClr val="accent2"/>
+          </a:solidFill>
+        </p:spPr>
+        <p:style>
+          <a:lnRef idx="2">
+            <a:schemeClr val="accent1">
+              <a:shade val="50000"/>
+            </a:schemeClr>
+          </a:lnRef>
+          <a:fillRef idx="1">
+            <a:schemeClr val="accent1"/>
+          </a:fillRef>
+          <a:effectRef idx="0">
+            <a:schemeClr val="accent1"/>
+          </a:effectRef>
+          <a:fontRef idx="minor">
+            <a:schemeClr val="lt1"/>
+          </a:fontRef>
+        </p:style>
+        <p:txBody>
+          <a:bodyPr rtlCol="0" anchor="ctr"/>
+          <a:p>
+            <a:pPr algn="ctr"/>
+            <a:r>
+              <a:rPr lang="en-US"/>
               <a:t>PROCESS</a:t>
             </a:r>
             <a:endParaRPr lang="en-US"/>
@@ -9754,9 +9846,6 @@
                     <p:cTn id="3" fill="hold">
                       <p:stCondLst>
                         <p:cond delay="indefinite"/>
-                        <p:cond evt="onBegin" delay="0">
-                          <p:tn val="2"/>
-                        </p:cond>
                       </p:stCondLst>
                       <p:childTnLst>
                         <p:par>
@@ -9766,14 +9855,300 @@
                             </p:stCondLst>
                             <p:childTnLst>
                               <p:par>
-                                <p:cTn id="5" presetID="12" presetClass="entr" presetSubtype="4" fill="hold" grpId="0" nodeType="afterEffect">
+                                <p:cTn id="5" presetID="12" presetClass="entr" presetSubtype="4" fill="hold" grpId="0" nodeType="clickEffect">
                                   <p:stCondLst>
                                     <p:cond delay="0"/>
                                   </p:stCondLst>
                                   <p:childTnLst>
                                     <p:set>
                                       <p:cBhvr>
-                                        <p:cTn id="6" dur="2000" fill="hold">
+                                        <p:cTn id="6" dur="1" fill="hold">
+                                          <p:stCondLst>
+                                            <p:cond delay="0"/>
+                                          </p:stCondLst>
+                                        </p:cTn>
+                                        <p:tgtEl>
+                                          <p:spTgt spid="4"/>
+                                        </p:tgtEl>
+                                        <p:attrNameLst>
+                                          <p:attrName>style.visibility</p:attrName>
+                                        </p:attrNameLst>
+                                      </p:cBhvr>
+                                      <p:to>
+                                        <p:strVal val="visible"/>
+                                      </p:to>
+                                    </p:set>
+                                    <p:anim calcmode="lin" valueType="num">
+                                      <p:cBhvr additive="base">
+                                        <p:cTn id="7" dur="500"/>
+                                        <p:tgtEl>
+                                          <p:spTgt spid="4"/>
+                                        </p:tgtEl>
+                                        <p:attrNameLst>
+                                          <p:attrName>ppt_y</p:attrName>
+                                        </p:attrNameLst>
+                                      </p:cBhvr>
+                                      <p:tavLst>
+                                        <p:tav tm="0">
+                                          <p:val>
+                                            <p:strVal val="#ppt_y+#ppt_h*1.125000"/>
+                                          </p:val>
+                                        </p:tav>
+                                        <p:tav tm="100000">
+                                          <p:val>
+                                            <p:strVal val="#ppt_y"/>
+                                          </p:val>
+                                        </p:tav>
+                                      </p:tavLst>
+                                    </p:anim>
+                                    <p:animEffect transition="in" filter="wipe(up)">
+                                      <p:cBhvr>
+                                        <p:cTn id="8" dur="500"/>
+                                        <p:tgtEl>
+                                          <p:spTgt spid="4"/>
+                                        </p:tgtEl>
+                                      </p:cBhvr>
+                                    </p:animEffect>
+                                  </p:childTnLst>
+                                </p:cTn>
+                              </p:par>
+                            </p:childTnLst>
+                          </p:cTn>
+                        </p:par>
+                      </p:childTnLst>
+                    </p:cTn>
+                  </p:par>
+                  <p:par>
+                    <p:cTn id="9" fill="hold">
+                      <p:stCondLst>
+                        <p:cond delay="indefinite"/>
+                      </p:stCondLst>
+                      <p:childTnLst>
+                        <p:par>
+                          <p:cTn id="10" fill="hold">
+                            <p:stCondLst>
+                              <p:cond delay="0"/>
+                            </p:stCondLst>
+                            <p:childTnLst>
+                              <p:par>
+                                <p:cTn id="11" presetID="12" presetClass="exit" presetSubtype="4" fill="hold" grpId="2" nodeType="clickEffect">
+                                  <p:stCondLst>
+                                    <p:cond delay="0"/>
+                                  </p:stCondLst>
+                                  <p:childTnLst>
+                                    <p:anim calcmode="lin" valueType="num">
+                                      <p:cBhvr additive="base">
+                                        <p:cTn id="12" dur="500"/>
+                                        <p:tgtEl>
+                                          <p:spTgt spid="4"/>
+                                        </p:tgtEl>
+                                        <p:attrNameLst>
+                                          <p:attrName>ppt_y</p:attrName>
+                                        </p:attrNameLst>
+                                      </p:cBhvr>
+                                      <p:tavLst>
+                                        <p:tav tm="0">
+                                          <p:val>
+                                            <p:strVal val="#ppt_y"/>
+                                          </p:val>
+                                        </p:tav>
+                                        <p:tav tm="100000">
+                                          <p:val>
+                                            <p:strVal val="#ppt_y+#ppt_h*1.125000"/>
+                                          </p:val>
+                                        </p:tav>
+                                      </p:tavLst>
+                                    </p:anim>
+                                    <p:animEffect transition="out" filter="wipe(down)">
+                                      <p:cBhvr>
+                                        <p:cTn id="13" dur="500"/>
+                                        <p:tgtEl>
+                                          <p:spTgt spid="4"/>
+                                        </p:tgtEl>
+                                      </p:cBhvr>
+                                    </p:animEffect>
+                                    <p:set>
+                                      <p:cBhvr>
+                                        <p:cTn id="14" dur="1" fill="hold">
+                                          <p:stCondLst>
+                                            <p:cond delay="499"/>
+                                          </p:stCondLst>
+                                        </p:cTn>
+                                        <p:tgtEl>
+                                          <p:spTgt spid="4"/>
+                                        </p:tgtEl>
+                                        <p:attrNameLst>
+                                          <p:attrName>style.visibility</p:attrName>
+                                        </p:attrNameLst>
+                                      </p:cBhvr>
+                                      <p:to>
+                                        <p:strVal val="hidden"/>
+                                      </p:to>
+                                    </p:set>
+                                  </p:childTnLst>
+                                </p:cTn>
+                              </p:par>
+                            </p:childTnLst>
+                          </p:cTn>
+                        </p:par>
+                        <p:par>
+                          <p:cTn id="15" fill="hold">
+                            <p:stCondLst>
+                              <p:cond delay="500"/>
+                            </p:stCondLst>
+                            <p:childTnLst>
+                              <p:par>
+                                <p:cTn id="16" presetID="12" presetClass="entr" presetSubtype="4" fill="hold" grpId="0" nodeType="afterEffect">
+                                  <p:stCondLst>
+                                    <p:cond delay="0"/>
+                                  </p:stCondLst>
+                                  <p:childTnLst>
+                                    <p:set>
+                                      <p:cBhvr>
+                                        <p:cTn id="17" dur="1" fill="hold">
+                                          <p:stCondLst>
+                                            <p:cond delay="0"/>
+                                          </p:stCondLst>
+                                        </p:cTn>
+                                        <p:tgtEl>
+                                          <p:spTgt spid="13"/>
+                                        </p:tgtEl>
+                                        <p:attrNameLst>
+                                          <p:attrName>style.visibility</p:attrName>
+                                        </p:attrNameLst>
+                                      </p:cBhvr>
+                                      <p:to>
+                                        <p:strVal val="visible"/>
+                                      </p:to>
+                                    </p:set>
+                                    <p:anim calcmode="lin" valueType="num">
+                                      <p:cBhvr additive="base">
+                                        <p:cTn id="18" dur="500"/>
+                                        <p:tgtEl>
+                                          <p:spTgt spid="13"/>
+                                        </p:tgtEl>
+                                        <p:attrNameLst>
+                                          <p:attrName>ppt_y</p:attrName>
+                                        </p:attrNameLst>
+                                      </p:cBhvr>
+                                      <p:tavLst>
+                                        <p:tav tm="0">
+                                          <p:val>
+                                            <p:strVal val="#ppt_y+#ppt_h*1.125000"/>
+                                          </p:val>
+                                        </p:tav>
+                                        <p:tav tm="100000">
+                                          <p:val>
+                                            <p:strVal val="#ppt_y"/>
+                                          </p:val>
+                                        </p:tav>
+                                      </p:tavLst>
+                                    </p:anim>
+                                    <p:animEffect transition="in" filter="wipe(up)">
+                                      <p:cBhvr>
+                                        <p:cTn id="19" dur="500"/>
+                                        <p:tgtEl>
+                                          <p:spTgt spid="13"/>
+                                        </p:tgtEl>
+                                      </p:cBhvr>
+                                    </p:animEffect>
+                                  </p:childTnLst>
+                                </p:cTn>
+                              </p:par>
+                            </p:childTnLst>
+                          </p:cTn>
+                        </p:par>
+                      </p:childTnLst>
+                    </p:cTn>
+                  </p:par>
+                  <p:par>
+                    <p:cTn id="20" fill="hold">
+                      <p:stCondLst>
+                        <p:cond delay="indefinite"/>
+                      </p:stCondLst>
+                      <p:childTnLst>
+                        <p:par>
+                          <p:cTn id="21" fill="hold">
+                            <p:stCondLst>
+                              <p:cond delay="0"/>
+                            </p:stCondLst>
+                            <p:childTnLst>
+                              <p:par>
+                                <p:cTn id="22" presetID="12" presetClass="exit" presetSubtype="4" fill="hold" grpId="2" nodeType="clickEffect">
+                                  <p:stCondLst>
+                                    <p:cond delay="0"/>
+                                  </p:stCondLst>
+                                  <p:childTnLst>
+                                    <p:anim calcmode="lin" valueType="num">
+                                      <p:cBhvr additive="base">
+                                        <p:cTn id="23" dur="500"/>
+                                        <p:tgtEl>
+                                          <p:spTgt spid="13"/>
+                                        </p:tgtEl>
+                                        <p:attrNameLst>
+                                          <p:attrName>ppt_y</p:attrName>
+                                        </p:attrNameLst>
+                                      </p:cBhvr>
+                                      <p:tavLst>
+                                        <p:tav tm="0">
+                                          <p:val>
+                                            <p:strVal val="#ppt_y"/>
+                                          </p:val>
+                                        </p:tav>
+                                        <p:tav tm="100000">
+                                          <p:val>
+                                            <p:strVal val="#ppt_y+#ppt_h*1.125000"/>
+                                          </p:val>
+                                        </p:tav>
+                                      </p:tavLst>
+                                    </p:anim>
+                                    <p:animEffect transition="out" filter="wipe(down)">
+                                      <p:cBhvr>
+                                        <p:cTn id="24" dur="500"/>
+                                        <p:tgtEl>
+                                          <p:spTgt spid="13"/>
+                                        </p:tgtEl>
+                                      </p:cBhvr>
+                                    </p:animEffect>
+                                    <p:set>
+                                      <p:cBhvr>
+                                        <p:cTn id="25" dur="1" fill="hold">
+                                          <p:stCondLst>
+                                            <p:cond delay="499"/>
+                                          </p:stCondLst>
+                                        </p:cTn>
+                                        <p:tgtEl>
+                                          <p:spTgt spid="13"/>
+                                        </p:tgtEl>
+                                        <p:attrNameLst>
+                                          <p:attrName>style.visibility</p:attrName>
+                                        </p:attrNameLst>
+                                      </p:cBhvr>
+                                      <p:to>
+                                        <p:strVal val="hidden"/>
+                                      </p:to>
+                                    </p:set>
+                                  </p:childTnLst>
+                                </p:cTn>
+                              </p:par>
+                            </p:childTnLst>
+                          </p:cTn>
+                        </p:par>
+                        <p:par>
+                          <p:cTn id="26" fill="hold">
+                            <p:stCondLst>
+                              <p:cond delay="500"/>
+                            </p:stCondLst>
+                            <p:childTnLst>
+                              <p:par>
+                                <p:cTn id="27" presetID="12" presetClass="entr" presetSubtype="4" fill="hold" grpId="0" nodeType="afterEffect">
+                                  <p:stCondLst>
+                                    <p:cond delay="0"/>
+                                  </p:stCondLst>
+                                  <p:childTnLst>
+                                    <p:set>
+                                      <p:cBhvr>
+                                        <p:cTn id="28" dur="1" fill="hold">
                                           <p:stCondLst>
                                             <p:cond delay="0"/>
                                           </p:stCondLst>
@@ -9791,7 +10166,7 @@
                                     </p:set>
                                     <p:anim calcmode="lin" valueType="num">
                                       <p:cBhvr additive="base">
-                                        <p:cTn id="7" dur="2000"/>
+                                        <p:cTn id="29" dur="500"/>
                                         <p:tgtEl>
                                           <p:spTgt spid="14"/>
                                         </p:tgtEl>
@@ -9814,7 +10189,7 @@
                                     </p:anim>
                                     <p:animEffect transition="in" filter="wipe(up)">
                                       <p:cBhvr>
-                                        <p:cTn id="8" dur="2000"/>
+                                        <p:cTn id="30" dur="500"/>
                                         <p:tgtEl>
                                           <p:spTgt spid="14"/>
                                         </p:tgtEl>
@@ -9826,21 +10201,97 @@
                             </p:childTnLst>
                           </p:cTn>
                         </p:par>
+                      </p:childTnLst>
+                    </p:cTn>
+                  </p:par>
+                  <p:par>
+                    <p:cTn id="31" fill="hold">
+                      <p:stCondLst>
+                        <p:cond delay="indefinite"/>
+                      </p:stCondLst>
+                      <p:childTnLst>
                         <p:par>
-                          <p:cTn id="9" fill="hold">
+                          <p:cTn id="32" fill="hold">
                             <p:stCondLst>
-                              <p:cond delay="2000"/>
+                              <p:cond delay="0"/>
                             </p:stCondLst>
                             <p:childTnLst>
                               <p:par>
-                                <p:cTn id="10" presetID="12" presetClass="entr" presetSubtype="4" fill="hold" grpId="0" nodeType="afterEffect">
+                                <p:cTn id="33" presetID="12" presetClass="exit" presetSubtype="4" fill="hold" grpId="2" nodeType="clickEffect">
+                                  <p:stCondLst>
+                                    <p:cond delay="0"/>
+                                  </p:stCondLst>
+                                  <p:childTnLst>
+                                    <p:anim calcmode="lin" valueType="num">
+                                      <p:cBhvr additive="base">
+                                        <p:cTn id="34" dur="500"/>
+                                        <p:tgtEl>
+                                          <p:spTgt spid="14"/>
+                                        </p:tgtEl>
+                                        <p:attrNameLst>
+                                          <p:attrName>ppt_y</p:attrName>
+                                        </p:attrNameLst>
+                                      </p:cBhvr>
+                                      <p:tavLst>
+                                        <p:tav tm="0">
+                                          <p:val>
+                                            <p:strVal val="#ppt_y"/>
+                                          </p:val>
+                                        </p:tav>
+                                        <p:tav tm="100000">
+                                          <p:val>
+                                            <p:strVal val="#ppt_y+#ppt_h*1.125000"/>
+                                          </p:val>
+                                        </p:tav>
+                                      </p:tavLst>
+                                    </p:anim>
+                                    <p:animEffect transition="out" filter="wipe(down)">
+                                      <p:cBhvr>
+                                        <p:cTn id="35" dur="500"/>
+                                        <p:tgtEl>
+                                          <p:spTgt spid="14"/>
+                                        </p:tgtEl>
+                                      </p:cBhvr>
+                                    </p:animEffect>
+                                    <p:set>
+                                      <p:cBhvr>
+                                        <p:cTn id="36" dur="1" fill="hold">
+                                          <p:stCondLst>
+                                            <p:cond delay="499"/>
+                                          </p:stCondLst>
+                                        </p:cTn>
+                                        <p:tgtEl>
+                                          <p:spTgt spid="14"/>
+                                        </p:tgtEl>
+                                        <p:attrNameLst>
+                                          <p:attrName>style.visibility</p:attrName>
+                                        </p:attrNameLst>
+                                      </p:cBhvr>
+                                      <p:to>
+                                        <p:strVal val="hidden"/>
+                                      </p:to>
+                                    </p:set>
+                                  </p:childTnLst>
+                                </p:cTn>
+                              </p:par>
+                            </p:childTnLst>
+                          </p:cTn>
+                        </p:par>
+                        <p:par>
+                          <p:cTn id="37" fill="hold">
+                            <p:stCondLst>
+                              <p:cond delay="500"/>
+                            </p:stCondLst>
+                            <p:childTnLst>
+                              <p:par>
+                                <p:cTn id="38" presetID="12" presetClass="entr" presetSubtype="4" fill="hold" grpId="0" nodeType="afterEffect">
                                   <p:stCondLst>
                                     <p:cond delay="0"/>
                                   </p:stCondLst>
                                   <p:childTnLst>
                                     <p:set>
                                       <p:cBhvr>
-                                        <p:cTn id="11" dur="2000" fill="hold">
+                                        <p:cTn id="39" dur="1" fill="hold">
                                           <p:stCondLst>
                                             <p:cond delay="0"/>
                                           </p:stCondLst>
@@ -9858,7 +10309,7 @@
                                     </p:set>
                                     <p:anim calcmode="lin" valueType="num">
                                       <p:cBhvr additive="base">
-                                        <p:cTn id="12" dur="2000"/>
+                                        <p:cTn id="40" dur="500"/>
                                         <p:tgtEl>
                                           <p:spTgt spid="15"/>
                                         </p:tgtEl>
@@ -9881,7 +10332,7 @@
                                     </p:anim>
                                     <p:animEffect transition="in" filter="wipe(up)">
                                       <p:cBhvr>
-                                        <p:cTn id="13" dur="2000"/>
+                                        <p:cTn id="41" dur="500"/>
                                         <p:tgtEl>
                                           <p:spTgt spid="15"/>
                                         </p:tgtEl>
@@ -9893,21 +10344,97 @@
                             </p:childTnLst>
                           </p:cTn>
                         </p:par>
+                      </p:childTnLst>
+                    </p:cTn>
+                  </p:par>
+                  <p:par>
+                    <p:cTn id="42" fill="hold">
+                      <p:stCondLst>
+                        <p:cond delay="indefinite"/>
+                      </p:stCondLst>
+                      <p:childTnLst>
                         <p:par>
-                          <p:cTn id="14" fill="hold">
+                          <p:cTn id="43" fill="hold">
                             <p:stCondLst>
-                              <p:cond delay="4000"/>
+                              <p:cond delay="0"/>
                             </p:stCondLst>
                             <p:childTnLst>
                               <p:par>
-                                <p:cTn id="15" presetID="12" presetClass="entr" presetSubtype="4" fill="hold" grpId="0" nodeType="afterEffect">
+                                <p:cTn id="44" presetID="12" presetClass="exit" presetSubtype="4" fill="hold" grpId="2" nodeType="clickEffect">
+                                  <p:stCondLst>
+                                    <p:cond delay="0"/>
+                                  </p:stCondLst>
+                                  <p:childTnLst>
+                                    <p:anim calcmode="lin" valueType="num">
+                                      <p:cBhvr additive="base">
+                                        <p:cTn id="45" dur="500"/>
+                                        <p:tgtEl>
+                                          <p:spTgt spid="15"/>
+                                        </p:tgtEl>
+                                        <p:attrNameLst>
+                                          <p:attrName>ppt_y</p:attrName>
+                                        </p:attrNameLst>
+                                      </p:cBhvr>
+                                      <p:tavLst>
+                                        <p:tav tm="0">
+                                          <p:val>
+                                            <p:strVal val="#ppt_y"/>
+                                          </p:val>
+                                        </p:tav>
+                                        <p:tav tm="100000">
+                                          <p:val>
+                                            <p:strVal val="#ppt_y+#ppt_h*1.125000"/>
+                                          </p:val>
+                                        </p:tav>
+                                      </p:tavLst>
+                                    </p:anim>
+                                    <p:animEffect transition="out" filter="wipe(down)">
+                                      <p:cBhvr>
+                                        <p:cTn id="46" dur="500"/>
+                                        <p:tgtEl>
+                                          <p:spTgt spid="15"/>
+                                        </p:tgtEl>
+                                      </p:cBhvr>
+                                    </p:animEffect>
+                                    <p:set>
+                                      <p:cBhvr>
+                                        <p:cTn id="47" dur="1" fill="hold">
+                                          <p:stCondLst>
+                                            <p:cond delay="499"/>
+                                          </p:stCondLst>
+                                        </p:cTn>
+                                        <p:tgtEl>
+                                          <p:spTgt spid="15"/>
+                                        </p:tgtEl>
+                                        <p:attrNameLst>
+                                          <p:attrName>style.visibility</p:attrName>
+                                        </p:attrNameLst>
+                                      </p:cBhvr>
+                                      <p:to>
+                                        <p:strVal val="hidden"/>
+                                      </p:to>
+                                    </p:set>
+                                  </p:childTnLst>
+                                </p:cTn>
+                              </p:par>
+                            </p:childTnLst>
+                          </p:cTn>
+                        </p:par>
+                        <p:par>
+                          <p:cTn id="48" fill="hold">
+                            <p:stCondLst>
+                              <p:cond delay="500"/>
+                            </p:stCondLst>
+                            <p:childTnLst>
+                              <p:par>
+                                <p:cTn id="49" presetID="12" presetClass="entr" presetSubtype="4" fill="hold" grpId="0" nodeType="afterEffect">
                                   <p:stCondLst>
                                     <p:cond delay="0"/>
                                   </p:stCondLst>
                                   <p:childTnLst>
                                     <p:set>
                                       <p:cBhvr>
-                                        <p:cTn id="16" dur="2000" fill="hold">
+                                        <p:cTn id="50" dur="1" fill="hold">
                                           <p:stCondLst>
                                             <p:cond delay="0"/>
                                           </p:stCondLst>
@@ -9925,7 +10452,7 @@
                                     </p:set>
                                     <p:anim calcmode="lin" valueType="num">
                                       <p:cBhvr additive="base">
-                                        <p:cTn id="17" dur="2000"/>
+                                        <p:cTn id="51" dur="500"/>
                                         <p:tgtEl>
                                           <p:spTgt spid="16"/>
                                         </p:tgtEl>
@@ -9948,7 +10475,7 @@
                                     </p:anim>
                                     <p:animEffect transition="in" filter="wipe(up)">
                                       <p:cBhvr>
-                                        <p:cTn id="18" dur="2000"/>
+                                        <p:cTn id="52" dur="500"/>
                                         <p:tgtEl>
                                           <p:spTgt spid="16"/>
                                         </p:tgtEl>
@@ -9960,21 +10487,97 @@
                             </p:childTnLst>
                           </p:cTn>
                         </p:par>
+                      </p:childTnLst>
+                    </p:cTn>
+                  </p:par>
+                  <p:par>
+                    <p:cTn id="53" fill="hold">
+                      <p:stCondLst>
+                        <p:cond delay="indefinite"/>
+                      </p:stCondLst>
+                      <p:childTnLst>
                         <p:par>
-                          <p:cTn id="19" fill="hold">
+                          <p:cTn id="54" fill="hold">
                             <p:stCondLst>
-                              <p:cond delay="6000"/>
+                              <p:cond delay="0"/>
                             </p:stCondLst>
                             <p:childTnLst>
                               <p:par>
-                                <p:cTn id="20" presetID="12" presetClass="entr" presetSubtype="4" fill="hold" grpId="0" nodeType="afterEffect">
+                                <p:cTn id="55" presetID="12" presetClass="exit" presetSubtype="4" fill="hold" grpId="2" nodeType="clickEffect">
+                                  <p:stCondLst>
+                                    <p:cond delay="0"/>
+                                  </p:stCondLst>
+                                  <p:childTnLst>
+                                    <p:anim calcmode="lin" valueType="num">
+                                      <p:cBhvr additive="base">
+                                        <p:cTn id="56" dur="500"/>
+                                        <p:tgtEl>
+                                          <p:spTgt spid="16"/>
+                                        </p:tgtEl>
+                                        <p:attrNameLst>
+                                          <p:attrName>ppt_y</p:attrName>
+                                        </p:attrNameLst>
+                                      </p:cBhvr>
+                                      <p:tavLst>
+                                        <p:tav tm="0">
+                                          <p:val>
+                                            <p:strVal val="#ppt_y"/>
+                                          </p:val>
+                                        </p:tav>
+                                        <p:tav tm="100000">
+                                          <p:val>
+                                            <p:strVal val="#ppt_y+#ppt_h*1.125000"/>
+                                          </p:val>
+                                        </p:tav>
+                                      </p:tavLst>
+                                    </p:anim>
+                                    <p:animEffect transition="out" filter="wipe(down)">
+                                      <p:cBhvr>
+                                        <p:cTn id="57" dur="500"/>
+                                        <p:tgtEl>
+                                          <p:spTgt spid="16"/>
+                                        </p:tgtEl>
+                                      </p:cBhvr>
+                                    </p:animEffect>
+                                    <p:set>
+                                      <p:cBhvr>
+                                        <p:cTn id="58" dur="1" fill="hold">
+                                          <p:stCondLst>
+                                            <p:cond delay="499"/>
+                                          </p:stCondLst>
+                                        </p:cTn>
+                                        <p:tgtEl>
+                                          <p:spTgt spid="16"/>
+                                        </p:tgtEl>
+                                        <p:attrNameLst>
+                                          <p:attrName>style.visibility</p:attrName>
+                                        </p:attrNameLst>
+                                      </p:cBhvr>
+                                      <p:to>
+                                        <p:strVal val="hidden"/>
+                                      </p:to>
+                                    </p:set>
+                                  </p:childTnLst>
+                                </p:cTn>
+                              </p:par>
+                            </p:childTnLst>
+                          </p:cTn>
+                        </p:par>
+                        <p:par>
+                          <p:cTn id="59" fill="hold">
+                            <p:stCondLst>
+                              <p:cond delay="500"/>
+                            </p:stCondLst>
+                            <p:childTnLst>
+                              <p:par>
+                                <p:cTn id="60" presetID="12" presetClass="entr" presetSubtype="4" fill="hold" grpId="0" nodeType="afterEffect">
                                   <p:stCondLst>
                                     <p:cond delay="0"/>
                                   </p:stCondLst>
                                   <p:childTnLst>
                                     <p:set>
                                       <p:cBhvr>
-                                        <p:cTn id="21" dur="2000" fill="hold">
+                                        <p:cTn id="61" dur="1" fill="hold">
                                           <p:stCondLst>
                                             <p:cond delay="0"/>
                                           </p:stCondLst>
@@ -9992,7 +10595,7 @@
                                     </p:set>
                                     <p:anim calcmode="lin" valueType="num">
                                       <p:cBhvr additive="base">
-                                        <p:cTn id="22" dur="2000"/>
+                                        <p:cTn id="62" dur="500"/>
                                         <p:tgtEl>
                                           <p:spTgt spid="17"/>
                                         </p:tgtEl>
@@ -10015,7 +10618,7 @@
                                     </p:anim>
                                     <p:animEffect transition="in" filter="wipe(up)">
                                       <p:cBhvr>
-                                        <p:cTn id="23" dur="2000"/>
+                                        <p:cTn id="63" dur="500"/>
                                         <p:tgtEl>
                                           <p:spTgt spid="17"/>
                                         </p:tgtEl>
@@ -10027,41 +10630,32 @@
                             </p:childTnLst>
                           </p:cTn>
                         </p:par>
+                      </p:childTnLst>
+                    </p:cTn>
+                  </p:par>
+                  <p:par>
+                    <p:cTn id="64" fill="hold">
+                      <p:stCondLst>
+                        <p:cond delay="indefinite"/>
+                      </p:stCondLst>
+                      <p:childTnLst>
                         <p:par>
-                          <p:cTn id="24" fill="hold">
+                          <p:cTn id="65" fill="hold">
                             <p:stCondLst>
-                              <p:cond delay="8000"/>
+                              <p:cond delay="0"/>
                             </p:stCondLst>
                             <p:childTnLst>
                               <p:par>
-                                <p:cTn id="25" presetID="12" presetClass="entr" presetSubtype="4" fill="hold" grpId="0" nodeType="afterEffect">
+                                <p:cTn id="66" presetID="12" presetClass="exit" presetSubtype="4" fill="hold" grpId="2" nodeType="clickEffect">
                                   <p:stCondLst>
                                     <p:cond delay="0"/>
                                   </p:stCondLst>
                                   <p:childTnLst>
-                                    <p:set>
-                                      <p:cBhvr>
-                                        <p:cTn id="26" dur="2000" fill="hold">
-                                          <p:stCondLst>
-                                            <p:cond delay="0"/>
-                                          </p:stCondLst>
-                                        </p:cTn>
-                                        <p:tgtEl>
-                                          <p:spTgt spid="13"/>
-                                        </p:tgtEl>
-                                        <p:attrNameLst>
-                                          <p:attrName>style.visibility</p:attrName>
-                                        </p:attrNameLst>
-                                      </p:cBhvr>
-                                      <p:to>
-                                        <p:strVal val="visible"/>
-                                      </p:to>
-                                    </p:set>
                                     <p:anim calcmode="lin" valueType="num">
                                       <p:cBhvr additive="base">
-                                        <p:cTn id="27" dur="2000"/>
+                                        <p:cTn id="67" dur="500"/>
                                         <p:tgtEl>
-                                          <p:spTgt spid="13"/>
+                                          <p:spTgt spid="17"/>
                                         </p:tgtEl>
                                         <p:attrNameLst>
                                           <p:attrName>ppt_y</p:attrName>
@@ -10070,91 +10664,42 @@
                                       <p:tavLst>
                                         <p:tav tm="0">
                                           <p:val>
-                                            <p:strVal val="#ppt_y+#ppt_h*1.125000"/>
+                                            <p:strVal val="#ppt_y"/>
                                           </p:val>
                                         </p:tav>
                                         <p:tav tm="100000">
                                           <p:val>
-                                            <p:strVal val="#ppt_y"/>
+                                            <p:strVal val="#ppt_y+#ppt_h*1.125000"/>
                                           </p:val>
                                         </p:tav>
                                       </p:tavLst>
                                     </p:anim>
-                                    <p:animEffect transition="in" filter="wipe(up)">
+                                    <p:animEffect transition="out" filter="wipe(down)">
                                       <p:cBhvr>
-                                        <p:cTn id="28" dur="2000"/>
+                                        <p:cTn id="68" dur="500"/>
                                         <p:tgtEl>
-                                          <p:spTgt spid="13"/>
+                                          <p:spTgt spid="17"/>
                                         </p:tgtEl>
                                       </p:cBhvr>
                                     </p:animEffect>
-                                  </p:childTnLst>
-                                </p:cTn>
-                              </p:par>
-                            </p:childTnLst>
-                          </p:cTn>
-                        </p:par>
-                        <p:par>
-                          <p:cTn id="29" fill="hold">
-                            <p:stCondLst>
-                              <p:cond delay="10000"/>
-                            </p:stCondLst>
-                            <p:childTnLst>
-                              <p:par>
-                                <p:cTn id="30" presetID="12" presetClass="entr" presetSubtype="4" fill="hold" grpId="0" nodeType="afterEffect">
-                                  <p:stCondLst>
-                                    <p:cond delay="0"/>
-                                  </p:stCondLst>
-                                  <p:childTnLst>
                                     <p:set>
                                       <p:cBhvr>
-                                        <p:cTn id="31" dur="2000" fill="hold">
+                                        <p:cTn id="69" dur="1" fill="hold">
                                           <p:stCondLst>
-                                            <p:cond delay="0"/>
+                                            <p:cond delay="499"/>
                                           </p:stCondLst>
                                         </p:cTn>
                                         <p:tgtEl>
-                                          <p:spTgt spid="4"/>
+                                          <p:spTgt spid="17"/>
                                         </p:tgtEl>
                                         <p:attrNameLst>
                                           <p:attrName>style.visibility</p:attrName>
                                         </p:attrNameLst>
                                       </p:cBhvr>
                                       <p:to>
-                                        <p:strVal val="visible"/>
+                                        <p:strVal val="hidden"/>
                                       </p:to>
                                     </p:set>
-                                    <p:anim calcmode="lin" valueType="num">
-                                      <p:cBhvr additive="base">
-                                        <p:cTn id="32" dur="2000"/>
-                                        <p:tgtEl>
-                                          <p:spTgt spid="4"/>
-                                        </p:tgtEl>
-                                        <p:attrNameLst>
-                                          <p:attrName>ppt_y</p:attrName>
-                                        </p:attrNameLst>
-                                      </p:cBhvr>
-                                      <p:tavLst>
-                                        <p:tav tm="0">
-                                          <p:val>
-                                            <p:strVal val="#ppt_y+#ppt_h*1.125000"/>
-                                          </p:val>
-                                        </p:tav>
-                                        <p:tav tm="100000">
-                                          <p:val>
-                                            <p:strVal val="#ppt_y"/>
-                                          </p:val>
-                                        </p:tav>
-                                      </p:tavLst>
-                                    </p:anim>
-                                    <p:animEffect transition="in" filter="wipe(up)">
-                                      <p:cBhvr>
-                                        <p:cTn id="33" dur="2000"/>
-                                        <p:tgtEl>
-                                          <p:spTgt spid="4"/>
-                                        </p:tgtEl>
-                                      </p:cBhvr>
-                                    </p:animEffect>
                                   </p:childTnLst>
                                 </p:cTn>
                               </p:par>
@@ -10186,6 +10731,10 @@
       </p:par>
     </p:tnLst>
     <p:bldLst>
+      <p:bldP spid="4" grpId="0" bldLvl="0" animBg="1"/>
+      <p:bldP spid="4" grpId="1" animBg="1"/>
+      <p:bldP spid="13" grpId="0" bldLvl="0" animBg="1"/>
+      <p:bldP spid="13" grpId="1" animBg="1"/>
       <p:bldP spid="14" grpId="0" bldLvl="0" animBg="1"/>
       <p:bldP spid="14" grpId="1" animBg="1"/>
       <p:bldP spid="15" grpId="0" bldLvl="0" animBg="1"/>
@@ -10194,10 +10743,12 @@
       <p:bldP spid="16" grpId="1" animBg="1"/>
       <p:bldP spid="17" grpId="0" bldLvl="0" animBg="1"/>
       <p:bldP spid="17" grpId="1" animBg="1"/>
-      <p:bldP spid="13" grpId="0" bldLvl="0" animBg="1"/>
-      <p:bldP spid="13" grpId="1" animBg="1"/>
-      <p:bldP spid="4" grpId="0" bldLvl="0" animBg="1"/>
-      <p:bldP spid="4" grpId="1" animBg="1"/>
+      <p:bldP spid="4" grpId="2" bldLvl="0" animBg="1"/>
+      <p:bldP spid="13" grpId="2" bldLvl="0" animBg="1"/>
+      <p:bldP spid="14" grpId="2" bldLvl="0" animBg="1"/>
+      <p:bldP spid="15" grpId="2" bldLvl="0" animBg="1"/>
+      <p:bldP spid="16" grpId="2" bldLvl="0" animBg="1"/>
+      <p:bldP spid="17" grpId="2" bldLvl="0" animBg="1"/>
     </p:bldLst>
   </p:timing>
 </p:sld>

--- a/auca/sem-1/intro-to-computer/presentation/Presentation1.pptx
+++ b/auca/sem-1/intro-to-computer/presentation/Presentation1.pptx
@@ -10825,14 +10825,14 @@
             <a:r>
               <a:rPr lang="en-US" b="1">
                 <a:solidFill>
-                  <a:schemeClr val="bg1"/>
+                  <a:schemeClr val="accent6"/>
                 </a:solidFill>
               </a:rPr>
               <a:t>THANK YOU!</a:t>
             </a:r>
             <a:endParaRPr lang="en-US" b="1">
               <a:solidFill>
-                <a:schemeClr val="bg1"/>
+                <a:schemeClr val="accent6"/>
               </a:solidFill>
             </a:endParaRPr>
           </a:p>
